--- a/plots/fit1_binomGLMM_VOC_Belgium_response scale.pptx
+++ b/plots/fit1_binomGLMM_VOC_Belgium_response scale.pptx
@@ -3398,378 +3398,546 @@
           </p:nvSpPr>
           <p:spPr>
             <a:xfrm>
-              <a:off x="2199579" y="1221250"/>
-              <a:ext cx="5592381" cy="4857125"/>
+              <a:off x="2199579" y="1109091"/>
+              <a:ext cx="5592381" cy="4965086"/>
             </a:xfrm>
             <a:custGeom>
               <a:avLst/>
               <a:pathLst>
-                <a:path w="5592381" h="4857125">
+                <a:path w="5592381" h="4965086">
                   <a:moveTo>
-                    <a:pt x="0" y="4814843"/>
+                    <a:pt x="0" y="4920262"/>
                   </a:moveTo>
                   <a:lnTo>
-                    <a:pt x="93206" y="4808103"/>
-                  </a:lnTo>
-                  <a:lnTo>
-                    <a:pt x="186412" y="4800670"/>
-                  </a:lnTo>
-                  <a:lnTo>
-                    <a:pt x="279619" y="4792462"/>
-                  </a:lnTo>
-                  <a:lnTo>
-                    <a:pt x="372825" y="4783385"/>
-                  </a:lnTo>
-                  <a:lnTo>
-                    <a:pt x="466031" y="4773327"/>
-                  </a:lnTo>
-                  <a:lnTo>
-                    <a:pt x="559238" y="4762156"/>
-                  </a:lnTo>
-                  <a:lnTo>
-                    <a:pt x="652444" y="4749712"/>
-                  </a:lnTo>
-                  <a:lnTo>
-                    <a:pt x="745650" y="4735799"/>
-                  </a:lnTo>
-                  <a:lnTo>
-                    <a:pt x="838857" y="4720173"/>
-                  </a:lnTo>
-                  <a:lnTo>
-                    <a:pt x="932063" y="4702531"/>
-                  </a:lnTo>
-                  <a:lnTo>
-                    <a:pt x="1025269" y="4682498"/>
-                  </a:lnTo>
-                  <a:lnTo>
-                    <a:pt x="1118476" y="4659615"/>
-                  </a:lnTo>
-                  <a:lnTo>
-                    <a:pt x="1211682" y="4633341"/>
-                  </a:lnTo>
-                  <a:lnTo>
-                    <a:pt x="1304889" y="4603064"/>
-                  </a:lnTo>
-                  <a:lnTo>
-                    <a:pt x="1398095" y="4568124"/>
-                  </a:lnTo>
-                  <a:lnTo>
-                    <a:pt x="1491301" y="4527846"/>
-                  </a:lnTo>
-                  <a:lnTo>
-                    <a:pt x="1584508" y="4481558"/>
-                  </a:lnTo>
-                  <a:lnTo>
-                    <a:pt x="1677714" y="4428609"/>
-                  </a:lnTo>
-                  <a:lnTo>
-                    <a:pt x="1770920" y="4368376"/>
-                  </a:lnTo>
-                  <a:lnTo>
-                    <a:pt x="1864127" y="4300275"/>
-                  </a:lnTo>
-                  <a:lnTo>
-                    <a:pt x="1957333" y="4223777"/>
-                  </a:lnTo>
-                  <a:lnTo>
-                    <a:pt x="2050539" y="4138427"/>
-                  </a:lnTo>
-                  <a:lnTo>
-                    <a:pt x="2143746" y="4043877"/>
-                  </a:lnTo>
-                  <a:lnTo>
-                    <a:pt x="2236952" y="3939914"/>
-                  </a:lnTo>
-                  <a:lnTo>
-                    <a:pt x="2330159" y="3826490"/>
-                  </a:lnTo>
-                  <a:lnTo>
-                    <a:pt x="2423365" y="3703748"/>
-                  </a:lnTo>
-                  <a:lnTo>
-                    <a:pt x="2516571" y="3572035"/>
-                  </a:lnTo>
-                  <a:lnTo>
-                    <a:pt x="2609778" y="3431905"/>
-                  </a:lnTo>
-                  <a:lnTo>
-                    <a:pt x="2702984" y="3284110"/>
-                  </a:lnTo>
-                  <a:lnTo>
-                    <a:pt x="2796190" y="3129570"/>
-                  </a:lnTo>
-                  <a:lnTo>
-                    <a:pt x="2889397" y="2969345"/>
-                  </a:lnTo>
-                  <a:lnTo>
-                    <a:pt x="2982603" y="2804592"/>
-                  </a:lnTo>
-                  <a:lnTo>
-                    <a:pt x="3075809" y="2636532"/>
-                  </a:lnTo>
-                  <a:lnTo>
-                    <a:pt x="3169016" y="2466420"/>
-                  </a:lnTo>
-                  <a:lnTo>
-                    <a:pt x="3262222" y="2295530"/>
-                  </a:lnTo>
-                  <a:lnTo>
-                    <a:pt x="3355429" y="2125141"/>
-                  </a:lnTo>
-                  <a:lnTo>
-                    <a:pt x="3448635" y="1956533"/>
-                  </a:lnTo>
-                  <a:lnTo>
-                    <a:pt x="3541841" y="1790977"/>
-                  </a:lnTo>
-                  <a:lnTo>
-                    <a:pt x="3635048" y="1629714"/>
-                  </a:lnTo>
-                  <a:lnTo>
-                    <a:pt x="3728254" y="1473928"/>
-                  </a:lnTo>
-                  <a:lnTo>
-                    <a:pt x="3821460" y="1324710"/>
-                  </a:lnTo>
-                  <a:lnTo>
-                    <a:pt x="3914667" y="1183015"/>
-                  </a:lnTo>
-                  <a:lnTo>
-                    <a:pt x="4007873" y="1049626"/>
-                  </a:lnTo>
-                  <a:lnTo>
-                    <a:pt x="4101079" y="925126"/>
-                  </a:lnTo>
-                  <a:lnTo>
-                    <a:pt x="4194286" y="809888"/>
-                  </a:lnTo>
-                  <a:lnTo>
-                    <a:pt x="4287492" y="704067"/>
-                  </a:lnTo>
-                  <a:lnTo>
-                    <a:pt x="4380699" y="607622"/>
-                  </a:lnTo>
-                  <a:lnTo>
-                    <a:pt x="4473905" y="520335"/>
-                  </a:lnTo>
-                  <a:lnTo>
-                    <a:pt x="4567111" y="441846"/>
-                  </a:lnTo>
-                  <a:lnTo>
-                    <a:pt x="4660318" y="371683"/>
-                  </a:lnTo>
-                  <a:lnTo>
-                    <a:pt x="4753524" y="309295"/>
-                  </a:lnTo>
-                  <a:lnTo>
-                    <a:pt x="4846730" y="254085"/>
-                  </a:lnTo>
-                  <a:lnTo>
-                    <a:pt x="4939937" y="205436"/>
-                  </a:lnTo>
-                  <a:lnTo>
-                    <a:pt x="5033143" y="162730"/>
-                  </a:lnTo>
-                  <a:lnTo>
-                    <a:pt x="5126349" y="125365"/>
-                  </a:lnTo>
-                  <a:lnTo>
-                    <a:pt x="5219556" y="92771"/>
-                  </a:lnTo>
-                  <a:lnTo>
-                    <a:pt x="5312762" y="64410"/>
-                  </a:lnTo>
-                  <a:lnTo>
-                    <a:pt x="5405969" y="39788"/>
-                  </a:lnTo>
-                  <a:lnTo>
-                    <a:pt x="5499175" y="18453"/>
+                    <a:pt x="63549" y="4912829"/>
+                  </a:lnTo>
+                  <a:lnTo>
+                    <a:pt x="127099" y="4904621"/>
+                  </a:lnTo>
+                  <a:lnTo>
+                    <a:pt x="190649" y="4895544"/>
+                  </a:lnTo>
+                  <a:lnTo>
+                    <a:pt x="254199" y="4885486"/>
+                  </a:lnTo>
+                  <a:lnTo>
+                    <a:pt x="317748" y="4874315"/>
+                  </a:lnTo>
+                  <a:lnTo>
+                    <a:pt x="381298" y="4861871"/>
+                  </a:lnTo>
+                  <a:lnTo>
+                    <a:pt x="444848" y="4847958"/>
+                  </a:lnTo>
+                  <a:lnTo>
+                    <a:pt x="508398" y="4832332"/>
+                  </a:lnTo>
+                  <a:lnTo>
+                    <a:pt x="571948" y="4814690"/>
+                  </a:lnTo>
+                  <a:lnTo>
+                    <a:pt x="635497" y="4794657"/>
+                  </a:lnTo>
+                  <a:lnTo>
+                    <a:pt x="699047" y="4771774"/>
+                  </a:lnTo>
+                  <a:lnTo>
+                    <a:pt x="762597" y="4745500"/>
+                  </a:lnTo>
+                  <a:lnTo>
+                    <a:pt x="826147" y="4715222"/>
+                  </a:lnTo>
+                  <a:lnTo>
+                    <a:pt x="889697" y="4680283"/>
+                  </a:lnTo>
+                  <a:lnTo>
+                    <a:pt x="953246" y="4640005"/>
+                  </a:lnTo>
+                  <a:lnTo>
+                    <a:pt x="1016796" y="4593717"/>
+                  </a:lnTo>
+                  <a:lnTo>
+                    <a:pt x="1080346" y="4540767"/>
+                  </a:lnTo>
+                  <a:lnTo>
+                    <a:pt x="1143896" y="4480534"/>
+                  </a:lnTo>
+                  <a:lnTo>
+                    <a:pt x="1207446" y="4412434"/>
+                  </a:lnTo>
+                  <a:lnTo>
+                    <a:pt x="1270995" y="4335936"/>
+                  </a:lnTo>
+                  <a:lnTo>
+                    <a:pt x="1334545" y="4250586"/>
+                  </a:lnTo>
+                  <a:lnTo>
+                    <a:pt x="1398095" y="4156036"/>
+                  </a:lnTo>
+                  <a:lnTo>
+                    <a:pt x="1461645" y="4052073"/>
+                  </a:lnTo>
+                  <a:lnTo>
+                    <a:pt x="1525195" y="3938649"/>
+                  </a:lnTo>
+                  <a:lnTo>
+                    <a:pt x="1588744" y="3815907"/>
+                  </a:lnTo>
+                  <a:lnTo>
+                    <a:pt x="1652294" y="3684194"/>
+                  </a:lnTo>
+                  <a:lnTo>
+                    <a:pt x="1715844" y="3544064"/>
+                  </a:lnTo>
+                  <a:lnTo>
+                    <a:pt x="1779394" y="3396268"/>
+                  </a:lnTo>
+                  <a:lnTo>
+                    <a:pt x="1842944" y="3241729"/>
+                  </a:lnTo>
+                  <a:lnTo>
+                    <a:pt x="1906493" y="3081504"/>
+                  </a:lnTo>
+                  <a:lnTo>
+                    <a:pt x="1970043" y="2916751"/>
+                  </a:lnTo>
+                  <a:lnTo>
+                    <a:pt x="2033593" y="2748690"/>
+                  </a:lnTo>
+                  <a:lnTo>
+                    <a:pt x="2097143" y="2578579"/>
+                  </a:lnTo>
+                  <a:lnTo>
+                    <a:pt x="2160692" y="2407688"/>
+                  </a:lnTo>
+                  <a:lnTo>
+                    <a:pt x="2224242" y="2237299"/>
+                  </a:lnTo>
+                  <a:lnTo>
+                    <a:pt x="2287792" y="2068692"/>
+                  </a:lnTo>
+                  <a:lnTo>
+                    <a:pt x="2351342" y="1903136"/>
+                  </a:lnTo>
+                  <a:lnTo>
+                    <a:pt x="2414892" y="1741873"/>
+                  </a:lnTo>
+                  <a:lnTo>
+                    <a:pt x="2478441" y="1586087"/>
+                  </a:lnTo>
+                  <a:lnTo>
+                    <a:pt x="2541991" y="1436869"/>
+                  </a:lnTo>
+                  <a:lnTo>
+                    <a:pt x="2605541" y="1295174"/>
+                  </a:lnTo>
+                  <a:lnTo>
+                    <a:pt x="2669091" y="1161785"/>
+                  </a:lnTo>
+                  <a:lnTo>
+                    <a:pt x="2732641" y="1037285"/>
+                  </a:lnTo>
+                  <a:lnTo>
+                    <a:pt x="2796190" y="922047"/>
+                  </a:lnTo>
+                  <a:lnTo>
+                    <a:pt x="2859740" y="816226"/>
+                  </a:lnTo>
+                  <a:lnTo>
+                    <a:pt x="2923290" y="719781"/>
+                  </a:lnTo>
+                  <a:lnTo>
+                    <a:pt x="2986840" y="632494"/>
+                  </a:lnTo>
+                  <a:lnTo>
+                    <a:pt x="3050390" y="554005"/>
+                  </a:lnTo>
+                  <a:lnTo>
+                    <a:pt x="3113939" y="483842"/>
+                  </a:lnTo>
+                  <a:lnTo>
+                    <a:pt x="3177489" y="421453"/>
+                  </a:lnTo>
+                  <a:lnTo>
+                    <a:pt x="3241039" y="366244"/>
+                  </a:lnTo>
+                  <a:lnTo>
+                    <a:pt x="3304589" y="317595"/>
+                  </a:lnTo>
+                  <a:lnTo>
+                    <a:pt x="3368139" y="274889"/>
+                  </a:lnTo>
+                  <a:lnTo>
+                    <a:pt x="3431688" y="237524"/>
+                  </a:lnTo>
+                  <a:lnTo>
+                    <a:pt x="3495238" y="204930"/>
+                  </a:lnTo>
+                  <a:lnTo>
+                    <a:pt x="3558788" y="176568"/>
+                  </a:lnTo>
+                  <a:lnTo>
+                    <a:pt x="3622338" y="151946"/>
+                  </a:lnTo>
+                  <a:lnTo>
+                    <a:pt x="3685888" y="130612"/>
+                  </a:lnTo>
+                  <a:lnTo>
+                    <a:pt x="3749437" y="112158"/>
+                  </a:lnTo>
+                  <a:lnTo>
+                    <a:pt x="3812987" y="96219"/>
+                  </a:lnTo>
+                  <a:lnTo>
+                    <a:pt x="3876537" y="82470"/>
+                  </a:lnTo>
+                  <a:lnTo>
+                    <a:pt x="3940087" y="70622"/>
+                  </a:lnTo>
+                  <a:lnTo>
+                    <a:pt x="4003636" y="60423"/>
+                  </a:lnTo>
+                  <a:lnTo>
+                    <a:pt x="4067186" y="51650"/>
+                  </a:lnTo>
+                  <a:lnTo>
+                    <a:pt x="4130736" y="44110"/>
+                  </a:lnTo>
+                  <a:lnTo>
+                    <a:pt x="4194286" y="37633"/>
+                  </a:lnTo>
+                  <a:lnTo>
+                    <a:pt x="4257836" y="32072"/>
+                  </a:lnTo>
+                  <a:lnTo>
+                    <a:pt x="4321385" y="27299"/>
+                  </a:lnTo>
+                  <a:lnTo>
+                    <a:pt x="4384935" y="23205"/>
+                  </a:lnTo>
+                  <a:lnTo>
+                    <a:pt x="4448485" y="19694"/>
+                  </a:lnTo>
+                  <a:lnTo>
+                    <a:pt x="4512035" y="16684"/>
+                  </a:lnTo>
+                  <a:lnTo>
+                    <a:pt x="4575585" y="14105"/>
+                  </a:lnTo>
+                  <a:lnTo>
+                    <a:pt x="4639134" y="11894"/>
+                  </a:lnTo>
+                  <a:lnTo>
+                    <a:pt x="4702684" y="10000"/>
+                  </a:lnTo>
+                  <a:lnTo>
+                    <a:pt x="4766234" y="8378"/>
+                  </a:lnTo>
+                  <a:lnTo>
+                    <a:pt x="4829784" y="6989"/>
+                  </a:lnTo>
+                  <a:lnTo>
+                    <a:pt x="4893334" y="5799"/>
+                  </a:lnTo>
+                  <a:lnTo>
+                    <a:pt x="4956883" y="4780"/>
+                  </a:lnTo>
+                  <a:lnTo>
+                    <a:pt x="5020433" y="3907"/>
+                  </a:lnTo>
+                  <a:lnTo>
+                    <a:pt x="5083983" y="3160"/>
+                  </a:lnTo>
+                  <a:lnTo>
+                    <a:pt x="5147533" y="2521"/>
+                  </a:lnTo>
+                  <a:lnTo>
+                    <a:pt x="5211083" y="1973"/>
+                  </a:lnTo>
+                  <a:lnTo>
+                    <a:pt x="5274632" y="1505"/>
+                  </a:lnTo>
+                  <a:lnTo>
+                    <a:pt x="5338182" y="1104"/>
+                  </a:lnTo>
+                  <a:lnTo>
+                    <a:pt x="5401732" y="760"/>
+                  </a:lnTo>
+                  <a:lnTo>
+                    <a:pt x="5465282" y="466"/>
+                  </a:lnTo>
+                  <a:lnTo>
+                    <a:pt x="5528832" y="215"/>
                   </a:lnTo>
                   <a:lnTo>
                     <a:pt x="5592381" y="0"/>
                   </a:lnTo>
                   <a:lnTo>
-                    <a:pt x="5592381" y="1330753"/>
-                  </a:lnTo>
-                  <a:lnTo>
-                    <a:pt x="5499175" y="1419635"/>
-                  </a:lnTo>
-                  <a:lnTo>
-                    <a:pt x="5405969" y="1511058"/>
-                  </a:lnTo>
-                  <a:lnTo>
-                    <a:pt x="5312762" y="1604808"/>
-                  </a:lnTo>
-                  <a:lnTo>
-                    <a:pt x="5219556" y="1700652"/>
-                  </a:lnTo>
-                  <a:lnTo>
-                    <a:pt x="5126349" y="1798347"/>
-                  </a:lnTo>
-                  <a:lnTo>
-                    <a:pt x="5033143" y="1897636"/>
-                  </a:lnTo>
-                  <a:lnTo>
-                    <a:pt x="4939937" y="1998258"/>
-                  </a:lnTo>
-                  <a:lnTo>
-                    <a:pt x="4846730" y="2099946"/>
-                  </a:lnTo>
-                  <a:lnTo>
-                    <a:pt x="4753524" y="2202428"/>
-                  </a:lnTo>
-                  <a:lnTo>
-                    <a:pt x="4660318" y="2305431"/>
-                  </a:lnTo>
-                  <a:lnTo>
-                    <a:pt x="4567111" y="2408682"/>
-                  </a:lnTo>
-                  <a:lnTo>
-                    <a:pt x="4473905" y="2511906"/>
-                  </a:lnTo>
-                  <a:lnTo>
-                    <a:pt x="4380699" y="2614829"/>
-                  </a:lnTo>
-                  <a:lnTo>
-                    <a:pt x="4287492" y="2717175"/>
-                  </a:lnTo>
-                  <a:lnTo>
-                    <a:pt x="4194286" y="2818672"/>
-                  </a:lnTo>
-                  <a:lnTo>
-                    <a:pt x="4101079" y="2919048"/>
-                  </a:lnTo>
-                  <a:lnTo>
-                    <a:pt x="4007873" y="3018034"/>
-                  </a:lnTo>
-                  <a:lnTo>
-                    <a:pt x="3914667" y="3115369"/>
-                  </a:lnTo>
-                  <a:lnTo>
-                    <a:pt x="3821460" y="3210798"/>
-                  </a:lnTo>
-                  <a:lnTo>
-                    <a:pt x="3728254" y="3304077"/>
-                  </a:lnTo>
-                  <a:lnTo>
-                    <a:pt x="3635048" y="3394979"/>
-                  </a:lnTo>
-                  <a:lnTo>
-                    <a:pt x="3541841" y="3483292"/>
-                  </a:lnTo>
-                  <a:lnTo>
-                    <a:pt x="3448635" y="3568826"/>
-                  </a:lnTo>
-                  <a:lnTo>
-                    <a:pt x="3355429" y="3651414"/>
-                  </a:lnTo>
-                  <a:lnTo>
-                    <a:pt x="3262222" y="3730914"/>
-                  </a:lnTo>
-                  <a:lnTo>
-                    <a:pt x="3169016" y="3807213"/>
-                  </a:lnTo>
-                  <a:lnTo>
-                    <a:pt x="3075809" y="3880225"/>
-                  </a:lnTo>
-                  <a:lnTo>
-                    <a:pt x="2982603" y="3949893"/>
-                  </a:lnTo>
-                  <a:lnTo>
-                    <a:pt x="2889397" y="4016187"/>
-                  </a:lnTo>
-                  <a:lnTo>
-                    <a:pt x="2796190" y="4079107"/>
-                  </a:lnTo>
-                  <a:lnTo>
-                    <a:pt x="2702984" y="4138676"/>
-                  </a:lnTo>
-                  <a:lnTo>
-                    <a:pt x="2609778" y="4194942"/>
-                  </a:lnTo>
-                  <a:lnTo>
-                    <a:pt x="2516571" y="4247973"/>
-                  </a:lnTo>
-                  <a:lnTo>
-                    <a:pt x="2423365" y="4297860"/>
-                  </a:lnTo>
-                  <a:lnTo>
-                    <a:pt x="2330159" y="4344707"/>
-                  </a:lnTo>
-                  <a:lnTo>
-                    <a:pt x="2236952" y="4388635"/>
-                  </a:lnTo>
-                  <a:lnTo>
-                    <a:pt x="2143746" y="4429777"/>
-                  </a:lnTo>
-                  <a:lnTo>
-                    <a:pt x="2050539" y="4468275"/>
-                  </a:lnTo>
-                  <a:lnTo>
-                    <a:pt x="1957333" y="4504281"/>
-                  </a:lnTo>
-                  <a:lnTo>
-                    <a:pt x="1864127" y="4537951"/>
-                  </a:lnTo>
-                  <a:lnTo>
-                    <a:pt x="1770920" y="4569441"/>
-                  </a:lnTo>
-                  <a:lnTo>
-                    <a:pt x="1677714" y="4598905"/>
-                  </a:lnTo>
-                  <a:lnTo>
-                    <a:pt x="1584508" y="4626482"/>
-                  </a:lnTo>
-                  <a:lnTo>
-                    <a:pt x="1491301" y="4652292"/>
-                  </a:lnTo>
-                  <a:lnTo>
-                    <a:pt x="1398095" y="4676418"/>
-                  </a:lnTo>
-                  <a:lnTo>
-                    <a:pt x="1304889" y="4698901"/>
-                  </a:lnTo>
-                  <a:lnTo>
-                    <a:pt x="1211682" y="4719745"/>
-                  </a:lnTo>
-                  <a:lnTo>
-                    <a:pt x="1118476" y="4738927"/>
-                  </a:lnTo>
-                  <a:lnTo>
-                    <a:pt x="1025269" y="4756427"/>
-                  </a:lnTo>
-                  <a:lnTo>
-                    <a:pt x="932063" y="4772248"/>
-                  </a:lnTo>
-                  <a:lnTo>
-                    <a:pt x="838857" y="4786426"/>
-                  </a:lnTo>
-                  <a:lnTo>
-                    <a:pt x="745650" y="4799033"/>
-                  </a:lnTo>
-                  <a:lnTo>
-                    <a:pt x="652444" y="4810169"/>
-                  </a:lnTo>
-                  <a:lnTo>
-                    <a:pt x="559238" y="4819954"/>
-                  </a:lnTo>
-                  <a:lnTo>
-                    <a:pt x="466031" y="4828511"/>
-                  </a:lnTo>
-                  <a:lnTo>
-                    <a:pt x="372825" y="4835969"/>
-                  </a:lnTo>
-                  <a:lnTo>
-                    <a:pt x="279619" y="4842449"/>
-                  </a:lnTo>
-                  <a:lnTo>
-                    <a:pt x="186412" y="4848066"/>
-                  </a:lnTo>
-                  <a:lnTo>
-                    <a:pt x="93206" y="4852927"/>
-                  </a:lnTo>
-                  <a:lnTo>
-                    <a:pt x="0" y="4857125"/>
+                    <a:pt x="5592381" y="145463"/>
+                  </a:lnTo>
+                  <a:lnTo>
+                    <a:pt x="5528832" y="159140"/>
+                  </a:lnTo>
+                  <a:lnTo>
+                    <a:pt x="5465282" y="174035"/>
+                  </a:lnTo>
+                  <a:lnTo>
+                    <a:pt x="5401732" y="190244"/>
+                  </a:lnTo>
+                  <a:lnTo>
+                    <a:pt x="5338182" y="207870"/>
+                  </a:lnTo>
+                  <a:lnTo>
+                    <a:pt x="5274632" y="227021"/>
+                  </a:lnTo>
+                  <a:lnTo>
+                    <a:pt x="5211083" y="247810"/>
+                  </a:lnTo>
+                  <a:lnTo>
+                    <a:pt x="5147533" y="270357"/>
+                  </a:lnTo>
+                  <a:lnTo>
+                    <a:pt x="5083983" y="294784"/>
+                  </a:lnTo>
+                  <a:lnTo>
+                    <a:pt x="5020433" y="321219"/>
+                  </a:lnTo>
+                  <a:lnTo>
+                    <a:pt x="4956883" y="349792"/>
+                  </a:lnTo>
+                  <a:lnTo>
+                    <a:pt x="4893334" y="380635"/>
+                  </a:lnTo>
+                  <a:lnTo>
+                    <a:pt x="4829784" y="413882"/>
+                  </a:lnTo>
+                  <a:lnTo>
+                    <a:pt x="4766234" y="449667"/>
+                  </a:lnTo>
+                  <a:lnTo>
+                    <a:pt x="4702684" y="488121"/>
+                  </a:lnTo>
+                  <a:lnTo>
+                    <a:pt x="4639134" y="529371"/>
+                  </a:lnTo>
+                  <a:lnTo>
+                    <a:pt x="4575585" y="573538"/>
+                  </a:lnTo>
+                  <a:lnTo>
+                    <a:pt x="4512035" y="620737"/>
+                  </a:lnTo>
+                  <a:lnTo>
+                    <a:pt x="4448485" y="671069"/>
+                  </a:lnTo>
+                  <a:lnTo>
+                    <a:pt x="4384935" y="724625"/>
+                  </a:lnTo>
+                  <a:lnTo>
+                    <a:pt x="4321385" y="781478"/>
+                  </a:lnTo>
+                  <a:lnTo>
+                    <a:pt x="4257836" y="841683"/>
+                  </a:lnTo>
+                  <a:lnTo>
+                    <a:pt x="4194286" y="905275"/>
+                  </a:lnTo>
+                  <a:lnTo>
+                    <a:pt x="4130736" y="972265"/>
+                  </a:lnTo>
+                  <a:lnTo>
+                    <a:pt x="4067186" y="1042640"/>
+                  </a:lnTo>
+                  <a:lnTo>
+                    <a:pt x="4003636" y="1116358"/>
+                  </a:lnTo>
+                  <a:lnTo>
+                    <a:pt x="3940087" y="1193354"/>
+                  </a:lnTo>
+                  <a:lnTo>
+                    <a:pt x="3876537" y="1273530"/>
+                  </a:lnTo>
+                  <a:lnTo>
+                    <a:pt x="3812987" y="1356766"/>
+                  </a:lnTo>
+                  <a:lnTo>
+                    <a:pt x="3749437" y="1442912"/>
+                  </a:lnTo>
+                  <a:lnTo>
+                    <a:pt x="3685888" y="1531794"/>
+                  </a:lnTo>
+                  <a:lnTo>
+                    <a:pt x="3622338" y="1623217"/>
+                  </a:lnTo>
+                  <a:lnTo>
+                    <a:pt x="3558788" y="1716967"/>
+                  </a:lnTo>
+                  <a:lnTo>
+                    <a:pt x="3495238" y="1812811"/>
+                  </a:lnTo>
+                  <a:lnTo>
+                    <a:pt x="3431688" y="1910505"/>
+                  </a:lnTo>
+                  <a:lnTo>
+                    <a:pt x="3368139" y="2009795"/>
+                  </a:lnTo>
+                  <a:lnTo>
+                    <a:pt x="3304589" y="2110417"/>
+                  </a:lnTo>
+                  <a:lnTo>
+                    <a:pt x="3241039" y="2212105"/>
+                  </a:lnTo>
+                  <a:lnTo>
+                    <a:pt x="3177489" y="2314586"/>
+                  </a:lnTo>
+                  <a:lnTo>
+                    <a:pt x="3113939" y="2417590"/>
+                  </a:lnTo>
+                  <a:lnTo>
+                    <a:pt x="3050390" y="2520841"/>
+                  </a:lnTo>
+                  <a:lnTo>
+                    <a:pt x="2986840" y="2624065"/>
+                  </a:lnTo>
+                  <a:lnTo>
+                    <a:pt x="2923290" y="2726988"/>
+                  </a:lnTo>
+                  <a:lnTo>
+                    <a:pt x="2859740" y="2829334"/>
+                  </a:lnTo>
+                  <a:lnTo>
+                    <a:pt x="2796190" y="2930831"/>
+                  </a:lnTo>
+                  <a:lnTo>
+                    <a:pt x="2732641" y="3031207"/>
+                  </a:lnTo>
+                  <a:lnTo>
+                    <a:pt x="2669091" y="3130193"/>
+                  </a:lnTo>
+                  <a:lnTo>
+                    <a:pt x="2605541" y="3227528"/>
+                  </a:lnTo>
+                  <a:lnTo>
+                    <a:pt x="2541991" y="3322956"/>
+                  </a:lnTo>
+                  <a:lnTo>
+                    <a:pt x="2478441" y="3416236"/>
+                  </a:lnTo>
+                  <a:lnTo>
+                    <a:pt x="2414892" y="3507138"/>
+                  </a:lnTo>
+                  <a:lnTo>
+                    <a:pt x="2351342" y="3595451"/>
+                  </a:lnTo>
+                  <a:lnTo>
+                    <a:pt x="2287792" y="3680985"/>
+                  </a:lnTo>
+                  <a:lnTo>
+                    <a:pt x="2224242" y="3763573"/>
+                  </a:lnTo>
+                  <a:lnTo>
+                    <a:pt x="2160692" y="3843073"/>
+                  </a:lnTo>
+                  <a:lnTo>
+                    <a:pt x="2097143" y="3919372"/>
+                  </a:lnTo>
+                  <a:lnTo>
+                    <a:pt x="2033593" y="3992384"/>
+                  </a:lnTo>
+                  <a:lnTo>
+                    <a:pt x="1970043" y="4062052"/>
+                  </a:lnTo>
+                  <a:lnTo>
+                    <a:pt x="1906493" y="4128346"/>
+                  </a:lnTo>
+                  <a:lnTo>
+                    <a:pt x="1842944" y="4191266"/>
+                  </a:lnTo>
+                  <a:lnTo>
+                    <a:pt x="1779394" y="4250835"/>
+                  </a:lnTo>
+                  <a:lnTo>
+                    <a:pt x="1715844" y="4307101"/>
+                  </a:lnTo>
+                  <a:lnTo>
+                    <a:pt x="1652294" y="4360132"/>
+                  </a:lnTo>
+                  <a:lnTo>
+                    <a:pt x="1588744" y="4410019"/>
+                  </a:lnTo>
+                  <a:lnTo>
+                    <a:pt x="1525195" y="4456866"/>
+                  </a:lnTo>
+                  <a:lnTo>
+                    <a:pt x="1461645" y="4500794"/>
+                  </a:lnTo>
+                  <a:lnTo>
+                    <a:pt x="1398095" y="4541935"/>
+                  </a:lnTo>
+                  <a:lnTo>
+                    <a:pt x="1334545" y="4580434"/>
+                  </a:lnTo>
+                  <a:lnTo>
+                    <a:pt x="1270995" y="4616440"/>
+                  </a:lnTo>
+                  <a:lnTo>
+                    <a:pt x="1207446" y="4650110"/>
+                  </a:lnTo>
+                  <a:lnTo>
+                    <a:pt x="1143896" y="4681600"/>
+                  </a:lnTo>
+                  <a:lnTo>
+                    <a:pt x="1080346" y="4711064"/>
+                  </a:lnTo>
+                  <a:lnTo>
+                    <a:pt x="1016796" y="4738641"/>
+                  </a:lnTo>
+                  <a:lnTo>
+                    <a:pt x="953246" y="4764451"/>
+                  </a:lnTo>
+                  <a:lnTo>
+                    <a:pt x="889697" y="4788577"/>
+                  </a:lnTo>
+                  <a:lnTo>
+                    <a:pt x="826147" y="4811060"/>
+                  </a:lnTo>
+                  <a:lnTo>
+                    <a:pt x="762597" y="4831904"/>
+                  </a:lnTo>
+                  <a:lnTo>
+                    <a:pt x="699047" y="4851086"/>
+                  </a:lnTo>
+                  <a:lnTo>
+                    <a:pt x="635497" y="4868586"/>
+                  </a:lnTo>
+                  <a:lnTo>
+                    <a:pt x="571948" y="4884407"/>
+                  </a:lnTo>
+                  <a:lnTo>
+                    <a:pt x="508398" y="4898584"/>
+                  </a:lnTo>
+                  <a:lnTo>
+                    <a:pt x="444848" y="4911192"/>
+                  </a:lnTo>
+                  <a:lnTo>
+                    <a:pt x="381298" y="4922328"/>
+                  </a:lnTo>
+                  <a:lnTo>
+                    <a:pt x="317748" y="4932112"/>
+                  </a:lnTo>
+                  <a:lnTo>
+                    <a:pt x="254199" y="4940670"/>
+                  </a:lnTo>
+                  <a:lnTo>
+                    <a:pt x="190649" y="4948128"/>
+                  </a:lnTo>
+                  <a:lnTo>
+                    <a:pt x="127099" y="4954608"/>
+                  </a:lnTo>
+                  <a:lnTo>
+                    <a:pt x="63549" y="4960225"/>
+                  </a:lnTo>
+                  <a:lnTo>
+                    <a:pt x="0" y="4965086"/>
                   </a:lnTo>
                   <a:close/>
                 </a:path>
@@ -3795,192 +3963,276 @@
           </p:nvSpPr>
           <p:spPr>
             <a:xfrm>
-              <a:off x="2199579" y="1221250"/>
-              <a:ext cx="5592381" cy="4814843"/>
+              <a:off x="2199579" y="1109091"/>
+              <a:ext cx="5592381" cy="4920262"/>
             </a:xfrm>
             <a:custGeom>
               <a:avLst/>
               <a:pathLst>
-                <a:path w="5592381" h="4814843">
+                <a:path w="5592381" h="4920262">
                   <a:moveTo>
-                    <a:pt x="0" y="4814843"/>
+                    <a:pt x="0" y="4920262"/>
                   </a:moveTo>
                   <a:lnTo>
-                    <a:pt x="93206" y="4808103"/>
-                  </a:lnTo>
-                  <a:lnTo>
-                    <a:pt x="186412" y="4800670"/>
-                  </a:lnTo>
-                  <a:lnTo>
-                    <a:pt x="279619" y="4792462"/>
-                  </a:lnTo>
-                  <a:lnTo>
-                    <a:pt x="372825" y="4783385"/>
-                  </a:lnTo>
-                  <a:lnTo>
-                    <a:pt x="466031" y="4773327"/>
-                  </a:lnTo>
-                  <a:lnTo>
-                    <a:pt x="559238" y="4762156"/>
-                  </a:lnTo>
-                  <a:lnTo>
-                    <a:pt x="652444" y="4749712"/>
-                  </a:lnTo>
-                  <a:lnTo>
-                    <a:pt x="745650" y="4735799"/>
-                  </a:lnTo>
-                  <a:lnTo>
-                    <a:pt x="838857" y="4720173"/>
-                  </a:lnTo>
-                  <a:lnTo>
-                    <a:pt x="932063" y="4702531"/>
-                  </a:lnTo>
-                  <a:lnTo>
-                    <a:pt x="1025269" y="4682498"/>
-                  </a:lnTo>
-                  <a:lnTo>
-                    <a:pt x="1118476" y="4659615"/>
-                  </a:lnTo>
-                  <a:lnTo>
-                    <a:pt x="1211682" y="4633341"/>
-                  </a:lnTo>
-                  <a:lnTo>
-                    <a:pt x="1304889" y="4603064"/>
-                  </a:lnTo>
-                  <a:lnTo>
-                    <a:pt x="1398095" y="4568124"/>
-                  </a:lnTo>
-                  <a:lnTo>
-                    <a:pt x="1491301" y="4527846"/>
-                  </a:lnTo>
-                  <a:lnTo>
-                    <a:pt x="1584508" y="4481558"/>
-                  </a:lnTo>
-                  <a:lnTo>
-                    <a:pt x="1677714" y="4428609"/>
-                  </a:lnTo>
-                  <a:lnTo>
-                    <a:pt x="1770920" y="4368376"/>
-                  </a:lnTo>
-                  <a:lnTo>
-                    <a:pt x="1864127" y="4300275"/>
-                  </a:lnTo>
-                  <a:lnTo>
-                    <a:pt x="1957333" y="4223777"/>
-                  </a:lnTo>
-                  <a:lnTo>
-                    <a:pt x="2050539" y="4138427"/>
-                  </a:lnTo>
-                  <a:lnTo>
-                    <a:pt x="2143746" y="4043877"/>
-                  </a:lnTo>
-                  <a:lnTo>
-                    <a:pt x="2236952" y="3939914"/>
-                  </a:lnTo>
-                  <a:lnTo>
-                    <a:pt x="2330159" y="3826490"/>
-                  </a:lnTo>
-                  <a:lnTo>
-                    <a:pt x="2423365" y="3703748"/>
-                  </a:lnTo>
-                  <a:lnTo>
-                    <a:pt x="2516571" y="3572035"/>
-                  </a:lnTo>
-                  <a:lnTo>
-                    <a:pt x="2609778" y="3431905"/>
-                  </a:lnTo>
-                  <a:lnTo>
-                    <a:pt x="2702984" y="3284110"/>
-                  </a:lnTo>
-                  <a:lnTo>
-                    <a:pt x="2796190" y="3129570"/>
-                  </a:lnTo>
-                  <a:lnTo>
-                    <a:pt x="2889397" y="2969345"/>
-                  </a:lnTo>
-                  <a:lnTo>
-                    <a:pt x="2982603" y="2804592"/>
-                  </a:lnTo>
-                  <a:lnTo>
-                    <a:pt x="3075809" y="2636532"/>
-                  </a:lnTo>
-                  <a:lnTo>
-                    <a:pt x="3169016" y="2466420"/>
-                  </a:lnTo>
-                  <a:lnTo>
-                    <a:pt x="3262222" y="2295530"/>
-                  </a:lnTo>
-                  <a:lnTo>
-                    <a:pt x="3355429" y="2125141"/>
-                  </a:lnTo>
-                  <a:lnTo>
-                    <a:pt x="3448635" y="1956533"/>
-                  </a:lnTo>
-                  <a:lnTo>
-                    <a:pt x="3541841" y="1790977"/>
-                  </a:lnTo>
-                  <a:lnTo>
-                    <a:pt x="3635048" y="1629714"/>
-                  </a:lnTo>
-                  <a:lnTo>
-                    <a:pt x="3728254" y="1473928"/>
-                  </a:lnTo>
-                  <a:lnTo>
-                    <a:pt x="3821460" y="1324710"/>
-                  </a:lnTo>
-                  <a:lnTo>
-                    <a:pt x="3914667" y="1183015"/>
-                  </a:lnTo>
-                  <a:lnTo>
-                    <a:pt x="4007873" y="1049626"/>
-                  </a:lnTo>
-                  <a:lnTo>
-                    <a:pt x="4101079" y="925126"/>
-                  </a:lnTo>
-                  <a:lnTo>
-                    <a:pt x="4194286" y="809888"/>
-                  </a:lnTo>
-                  <a:lnTo>
-                    <a:pt x="4287492" y="704067"/>
-                  </a:lnTo>
-                  <a:lnTo>
-                    <a:pt x="4380699" y="607622"/>
-                  </a:lnTo>
-                  <a:lnTo>
-                    <a:pt x="4473905" y="520335"/>
-                  </a:lnTo>
-                  <a:lnTo>
-                    <a:pt x="4567111" y="441846"/>
-                  </a:lnTo>
-                  <a:lnTo>
-                    <a:pt x="4660318" y="371683"/>
-                  </a:lnTo>
-                  <a:lnTo>
-                    <a:pt x="4753524" y="309295"/>
-                  </a:lnTo>
-                  <a:lnTo>
-                    <a:pt x="4846730" y="254085"/>
-                  </a:lnTo>
-                  <a:lnTo>
-                    <a:pt x="4939937" y="205436"/>
-                  </a:lnTo>
-                  <a:lnTo>
-                    <a:pt x="5033143" y="162730"/>
-                  </a:lnTo>
-                  <a:lnTo>
-                    <a:pt x="5126349" y="125365"/>
-                  </a:lnTo>
-                  <a:lnTo>
-                    <a:pt x="5219556" y="92771"/>
-                  </a:lnTo>
-                  <a:lnTo>
-                    <a:pt x="5312762" y="64410"/>
-                  </a:lnTo>
-                  <a:lnTo>
-                    <a:pt x="5405969" y="39788"/>
-                  </a:lnTo>
-                  <a:lnTo>
-                    <a:pt x="5499175" y="18453"/>
+                    <a:pt x="63549" y="4912829"/>
+                  </a:lnTo>
+                  <a:lnTo>
+                    <a:pt x="127099" y="4904621"/>
+                  </a:lnTo>
+                  <a:lnTo>
+                    <a:pt x="190649" y="4895544"/>
+                  </a:lnTo>
+                  <a:lnTo>
+                    <a:pt x="254199" y="4885486"/>
+                  </a:lnTo>
+                  <a:lnTo>
+                    <a:pt x="317748" y="4874315"/>
+                  </a:lnTo>
+                  <a:lnTo>
+                    <a:pt x="381298" y="4861871"/>
+                  </a:lnTo>
+                  <a:lnTo>
+                    <a:pt x="444848" y="4847958"/>
+                  </a:lnTo>
+                  <a:lnTo>
+                    <a:pt x="508398" y="4832332"/>
+                  </a:lnTo>
+                  <a:lnTo>
+                    <a:pt x="571948" y="4814690"/>
+                  </a:lnTo>
+                  <a:lnTo>
+                    <a:pt x="635497" y="4794657"/>
+                  </a:lnTo>
+                  <a:lnTo>
+                    <a:pt x="699047" y="4771774"/>
+                  </a:lnTo>
+                  <a:lnTo>
+                    <a:pt x="762597" y="4745500"/>
+                  </a:lnTo>
+                  <a:lnTo>
+                    <a:pt x="826147" y="4715222"/>
+                  </a:lnTo>
+                  <a:lnTo>
+                    <a:pt x="889697" y="4680283"/>
+                  </a:lnTo>
+                  <a:lnTo>
+                    <a:pt x="953246" y="4640005"/>
+                  </a:lnTo>
+                  <a:lnTo>
+                    <a:pt x="1016796" y="4593717"/>
+                  </a:lnTo>
+                  <a:lnTo>
+                    <a:pt x="1080346" y="4540767"/>
+                  </a:lnTo>
+                  <a:lnTo>
+                    <a:pt x="1143896" y="4480534"/>
+                  </a:lnTo>
+                  <a:lnTo>
+                    <a:pt x="1207446" y="4412434"/>
+                  </a:lnTo>
+                  <a:lnTo>
+                    <a:pt x="1270995" y="4335936"/>
+                  </a:lnTo>
+                  <a:lnTo>
+                    <a:pt x="1334545" y="4250586"/>
+                  </a:lnTo>
+                  <a:lnTo>
+                    <a:pt x="1398095" y="4156036"/>
+                  </a:lnTo>
+                  <a:lnTo>
+                    <a:pt x="1461645" y="4052073"/>
+                  </a:lnTo>
+                  <a:lnTo>
+                    <a:pt x="1525195" y="3938649"/>
+                  </a:lnTo>
+                  <a:lnTo>
+                    <a:pt x="1588744" y="3815907"/>
+                  </a:lnTo>
+                  <a:lnTo>
+                    <a:pt x="1652294" y="3684194"/>
+                  </a:lnTo>
+                  <a:lnTo>
+                    <a:pt x="1715844" y="3544064"/>
+                  </a:lnTo>
+                  <a:lnTo>
+                    <a:pt x="1779394" y="3396268"/>
+                  </a:lnTo>
+                  <a:lnTo>
+                    <a:pt x="1842944" y="3241729"/>
+                  </a:lnTo>
+                  <a:lnTo>
+                    <a:pt x="1906493" y="3081504"/>
+                  </a:lnTo>
+                  <a:lnTo>
+                    <a:pt x="1970043" y="2916751"/>
+                  </a:lnTo>
+                  <a:lnTo>
+                    <a:pt x="2033593" y="2748690"/>
+                  </a:lnTo>
+                  <a:lnTo>
+                    <a:pt x="2097143" y="2578579"/>
+                  </a:lnTo>
+                  <a:lnTo>
+                    <a:pt x="2160692" y="2407688"/>
+                  </a:lnTo>
+                  <a:lnTo>
+                    <a:pt x="2224242" y="2237299"/>
+                  </a:lnTo>
+                  <a:lnTo>
+                    <a:pt x="2287792" y="2068692"/>
+                  </a:lnTo>
+                  <a:lnTo>
+                    <a:pt x="2351342" y="1903136"/>
+                  </a:lnTo>
+                  <a:lnTo>
+                    <a:pt x="2414892" y="1741873"/>
+                  </a:lnTo>
+                  <a:lnTo>
+                    <a:pt x="2478441" y="1586087"/>
+                  </a:lnTo>
+                  <a:lnTo>
+                    <a:pt x="2541991" y="1436869"/>
+                  </a:lnTo>
+                  <a:lnTo>
+                    <a:pt x="2605541" y="1295174"/>
+                  </a:lnTo>
+                  <a:lnTo>
+                    <a:pt x="2669091" y="1161785"/>
+                  </a:lnTo>
+                  <a:lnTo>
+                    <a:pt x="2732641" y="1037285"/>
+                  </a:lnTo>
+                  <a:lnTo>
+                    <a:pt x="2796190" y="922047"/>
+                  </a:lnTo>
+                  <a:lnTo>
+                    <a:pt x="2859740" y="816226"/>
+                  </a:lnTo>
+                  <a:lnTo>
+                    <a:pt x="2923290" y="719781"/>
+                  </a:lnTo>
+                  <a:lnTo>
+                    <a:pt x="2986840" y="632494"/>
+                  </a:lnTo>
+                  <a:lnTo>
+                    <a:pt x="3050390" y="554005"/>
+                  </a:lnTo>
+                  <a:lnTo>
+                    <a:pt x="3113939" y="483842"/>
+                  </a:lnTo>
+                  <a:lnTo>
+                    <a:pt x="3177489" y="421453"/>
+                  </a:lnTo>
+                  <a:lnTo>
+                    <a:pt x="3241039" y="366244"/>
+                  </a:lnTo>
+                  <a:lnTo>
+                    <a:pt x="3304589" y="317595"/>
+                  </a:lnTo>
+                  <a:lnTo>
+                    <a:pt x="3368139" y="274889"/>
+                  </a:lnTo>
+                  <a:lnTo>
+                    <a:pt x="3431688" y="237524"/>
+                  </a:lnTo>
+                  <a:lnTo>
+                    <a:pt x="3495238" y="204930"/>
+                  </a:lnTo>
+                  <a:lnTo>
+                    <a:pt x="3558788" y="176568"/>
+                  </a:lnTo>
+                  <a:lnTo>
+                    <a:pt x="3622338" y="151946"/>
+                  </a:lnTo>
+                  <a:lnTo>
+                    <a:pt x="3685888" y="130612"/>
+                  </a:lnTo>
+                  <a:lnTo>
+                    <a:pt x="3749437" y="112158"/>
+                  </a:lnTo>
+                  <a:lnTo>
+                    <a:pt x="3812987" y="96219"/>
+                  </a:lnTo>
+                  <a:lnTo>
+                    <a:pt x="3876537" y="82470"/>
+                  </a:lnTo>
+                  <a:lnTo>
+                    <a:pt x="3940087" y="70622"/>
+                  </a:lnTo>
+                  <a:lnTo>
+                    <a:pt x="4003636" y="60423"/>
+                  </a:lnTo>
+                  <a:lnTo>
+                    <a:pt x="4067186" y="51650"/>
+                  </a:lnTo>
+                  <a:lnTo>
+                    <a:pt x="4130736" y="44110"/>
+                  </a:lnTo>
+                  <a:lnTo>
+                    <a:pt x="4194286" y="37633"/>
+                  </a:lnTo>
+                  <a:lnTo>
+                    <a:pt x="4257836" y="32072"/>
+                  </a:lnTo>
+                  <a:lnTo>
+                    <a:pt x="4321385" y="27299"/>
+                  </a:lnTo>
+                  <a:lnTo>
+                    <a:pt x="4384935" y="23205"/>
+                  </a:lnTo>
+                  <a:lnTo>
+                    <a:pt x="4448485" y="19694"/>
+                  </a:lnTo>
+                  <a:lnTo>
+                    <a:pt x="4512035" y="16684"/>
+                  </a:lnTo>
+                  <a:lnTo>
+                    <a:pt x="4575585" y="14105"/>
+                  </a:lnTo>
+                  <a:lnTo>
+                    <a:pt x="4639134" y="11894"/>
+                  </a:lnTo>
+                  <a:lnTo>
+                    <a:pt x="4702684" y="10000"/>
+                  </a:lnTo>
+                  <a:lnTo>
+                    <a:pt x="4766234" y="8378"/>
+                  </a:lnTo>
+                  <a:lnTo>
+                    <a:pt x="4829784" y="6989"/>
+                  </a:lnTo>
+                  <a:lnTo>
+                    <a:pt x="4893334" y="5799"/>
+                  </a:lnTo>
+                  <a:lnTo>
+                    <a:pt x="4956883" y="4780"/>
+                  </a:lnTo>
+                  <a:lnTo>
+                    <a:pt x="5020433" y="3907"/>
+                  </a:lnTo>
+                  <a:lnTo>
+                    <a:pt x="5083983" y="3160"/>
+                  </a:lnTo>
+                  <a:lnTo>
+                    <a:pt x="5147533" y="2521"/>
+                  </a:lnTo>
+                  <a:lnTo>
+                    <a:pt x="5211083" y="1973"/>
+                  </a:lnTo>
+                  <a:lnTo>
+                    <a:pt x="5274632" y="1505"/>
+                  </a:lnTo>
+                  <a:lnTo>
+                    <a:pt x="5338182" y="1104"/>
+                  </a:lnTo>
+                  <a:lnTo>
+                    <a:pt x="5401732" y="760"/>
+                  </a:lnTo>
+                  <a:lnTo>
+                    <a:pt x="5465282" y="466"/>
+                  </a:lnTo>
+                  <a:lnTo>
+                    <a:pt x="5528832" y="215"/>
                   </a:lnTo>
                   <a:lnTo>
                     <a:pt x="5592381" y="0"/>
@@ -4006,198 +4258,282 @@
           </p:nvSpPr>
           <p:spPr>
             <a:xfrm>
-              <a:off x="2199579" y="2552003"/>
-              <a:ext cx="5592381" cy="3526372"/>
+              <a:off x="2199579" y="1254554"/>
+              <a:ext cx="5592381" cy="4819622"/>
             </a:xfrm>
             <a:custGeom>
               <a:avLst/>
               <a:pathLst>
-                <a:path w="5592381" h="3526372">
+                <a:path w="5592381" h="4819622">
                   <a:moveTo>
                     <a:pt x="5592381" y="0"/>
                   </a:moveTo>
                   <a:lnTo>
-                    <a:pt x="5499175" y="88882"/>
-                  </a:lnTo>
-                  <a:lnTo>
-                    <a:pt x="5405969" y="180305"/>
-                  </a:lnTo>
-                  <a:lnTo>
-                    <a:pt x="5312762" y="274055"/>
-                  </a:lnTo>
-                  <a:lnTo>
-                    <a:pt x="5219556" y="369899"/>
-                  </a:lnTo>
-                  <a:lnTo>
-                    <a:pt x="5126349" y="467593"/>
-                  </a:lnTo>
-                  <a:lnTo>
-                    <a:pt x="5033143" y="566883"/>
-                  </a:lnTo>
-                  <a:lnTo>
-                    <a:pt x="4939937" y="667505"/>
-                  </a:lnTo>
-                  <a:lnTo>
-                    <a:pt x="4846730" y="769193"/>
-                  </a:lnTo>
-                  <a:lnTo>
-                    <a:pt x="4753524" y="871674"/>
-                  </a:lnTo>
-                  <a:lnTo>
-                    <a:pt x="4660318" y="974678"/>
-                  </a:lnTo>
-                  <a:lnTo>
-                    <a:pt x="4567111" y="1077929"/>
-                  </a:lnTo>
-                  <a:lnTo>
-                    <a:pt x="4473905" y="1181153"/>
-                  </a:lnTo>
-                  <a:lnTo>
-                    <a:pt x="4380699" y="1284076"/>
-                  </a:lnTo>
-                  <a:lnTo>
-                    <a:pt x="4287492" y="1386422"/>
-                  </a:lnTo>
-                  <a:lnTo>
-                    <a:pt x="4194286" y="1487919"/>
-                  </a:lnTo>
-                  <a:lnTo>
-                    <a:pt x="4101079" y="1588295"/>
-                  </a:lnTo>
-                  <a:lnTo>
-                    <a:pt x="4007873" y="1687281"/>
-                  </a:lnTo>
-                  <a:lnTo>
-                    <a:pt x="3914667" y="1784616"/>
-                  </a:lnTo>
-                  <a:lnTo>
-                    <a:pt x="3821460" y="1880044"/>
-                  </a:lnTo>
-                  <a:lnTo>
-                    <a:pt x="3728254" y="1973324"/>
-                  </a:lnTo>
-                  <a:lnTo>
-                    <a:pt x="3635048" y="2064226"/>
-                  </a:lnTo>
-                  <a:lnTo>
-                    <a:pt x="3541841" y="2152539"/>
-                  </a:lnTo>
-                  <a:lnTo>
-                    <a:pt x="3448635" y="2238073"/>
-                  </a:lnTo>
-                  <a:lnTo>
-                    <a:pt x="3355429" y="2320661"/>
-                  </a:lnTo>
-                  <a:lnTo>
-                    <a:pt x="3262222" y="2400161"/>
-                  </a:lnTo>
-                  <a:lnTo>
-                    <a:pt x="3169016" y="2476460"/>
-                  </a:lnTo>
-                  <a:lnTo>
-                    <a:pt x="3075809" y="2549472"/>
-                  </a:lnTo>
-                  <a:lnTo>
-                    <a:pt x="2982603" y="2619140"/>
-                  </a:lnTo>
-                  <a:lnTo>
-                    <a:pt x="2889397" y="2685434"/>
-                  </a:lnTo>
-                  <a:lnTo>
-                    <a:pt x="2796190" y="2748354"/>
-                  </a:lnTo>
-                  <a:lnTo>
-                    <a:pt x="2702984" y="2807923"/>
-                  </a:lnTo>
-                  <a:lnTo>
-                    <a:pt x="2609778" y="2864189"/>
-                  </a:lnTo>
-                  <a:lnTo>
-                    <a:pt x="2516571" y="2917220"/>
-                  </a:lnTo>
-                  <a:lnTo>
-                    <a:pt x="2423365" y="2967107"/>
-                  </a:lnTo>
-                  <a:lnTo>
-                    <a:pt x="2330159" y="3013954"/>
-                  </a:lnTo>
-                  <a:lnTo>
-                    <a:pt x="2236952" y="3057882"/>
-                  </a:lnTo>
-                  <a:lnTo>
-                    <a:pt x="2143746" y="3099023"/>
-                  </a:lnTo>
-                  <a:lnTo>
-                    <a:pt x="2050539" y="3137522"/>
-                  </a:lnTo>
-                  <a:lnTo>
-                    <a:pt x="1957333" y="3173528"/>
-                  </a:lnTo>
-                  <a:lnTo>
-                    <a:pt x="1864127" y="3207198"/>
-                  </a:lnTo>
-                  <a:lnTo>
-                    <a:pt x="1770920" y="3238688"/>
-                  </a:lnTo>
-                  <a:lnTo>
-                    <a:pt x="1677714" y="3268151"/>
-                  </a:lnTo>
-                  <a:lnTo>
-                    <a:pt x="1584508" y="3295729"/>
-                  </a:lnTo>
-                  <a:lnTo>
-                    <a:pt x="1491301" y="3321539"/>
-                  </a:lnTo>
-                  <a:lnTo>
-                    <a:pt x="1398095" y="3345665"/>
-                  </a:lnTo>
-                  <a:lnTo>
-                    <a:pt x="1304889" y="3368148"/>
-                  </a:lnTo>
-                  <a:lnTo>
-                    <a:pt x="1211682" y="3388992"/>
-                  </a:lnTo>
-                  <a:lnTo>
-                    <a:pt x="1118476" y="3408174"/>
-                  </a:lnTo>
-                  <a:lnTo>
-                    <a:pt x="1025269" y="3425674"/>
-                  </a:lnTo>
-                  <a:lnTo>
-                    <a:pt x="932063" y="3441495"/>
-                  </a:lnTo>
-                  <a:lnTo>
-                    <a:pt x="838857" y="3455672"/>
-                  </a:lnTo>
-                  <a:lnTo>
-                    <a:pt x="745650" y="3468280"/>
-                  </a:lnTo>
-                  <a:lnTo>
-                    <a:pt x="652444" y="3479416"/>
-                  </a:lnTo>
-                  <a:lnTo>
-                    <a:pt x="559238" y="3489200"/>
-                  </a:lnTo>
-                  <a:lnTo>
-                    <a:pt x="466031" y="3497758"/>
-                  </a:lnTo>
-                  <a:lnTo>
-                    <a:pt x="372825" y="3505216"/>
-                  </a:lnTo>
-                  <a:lnTo>
-                    <a:pt x="279619" y="3511696"/>
-                  </a:lnTo>
-                  <a:lnTo>
-                    <a:pt x="186412" y="3517313"/>
-                  </a:lnTo>
-                  <a:lnTo>
-                    <a:pt x="93206" y="3522173"/>
-                  </a:lnTo>
-                  <a:lnTo>
-                    <a:pt x="0" y="3526372"/>
-                  </a:lnTo>
-                  <a:lnTo>
-                    <a:pt x="0" y="3526372"/>
+                    <a:pt x="5528832" y="13677"/>
+                  </a:lnTo>
+                  <a:lnTo>
+                    <a:pt x="5465282" y="28572"/>
+                  </a:lnTo>
+                  <a:lnTo>
+                    <a:pt x="5401732" y="44781"/>
+                  </a:lnTo>
+                  <a:lnTo>
+                    <a:pt x="5338182" y="62407"/>
+                  </a:lnTo>
+                  <a:lnTo>
+                    <a:pt x="5274632" y="81557"/>
+                  </a:lnTo>
+                  <a:lnTo>
+                    <a:pt x="5211083" y="102347"/>
+                  </a:lnTo>
+                  <a:lnTo>
+                    <a:pt x="5147533" y="124894"/>
+                  </a:lnTo>
+                  <a:lnTo>
+                    <a:pt x="5083983" y="149321"/>
+                  </a:lnTo>
+                  <a:lnTo>
+                    <a:pt x="5020433" y="175756"/>
+                  </a:lnTo>
+                  <a:lnTo>
+                    <a:pt x="4956883" y="204328"/>
+                  </a:lnTo>
+                  <a:lnTo>
+                    <a:pt x="4893334" y="235172"/>
+                  </a:lnTo>
+                  <a:lnTo>
+                    <a:pt x="4829784" y="268419"/>
+                  </a:lnTo>
+                  <a:lnTo>
+                    <a:pt x="4766234" y="304204"/>
+                  </a:lnTo>
+                  <a:lnTo>
+                    <a:pt x="4702684" y="342658"/>
+                  </a:lnTo>
+                  <a:lnTo>
+                    <a:pt x="4639134" y="383907"/>
+                  </a:lnTo>
+                  <a:lnTo>
+                    <a:pt x="4575585" y="428075"/>
+                  </a:lnTo>
+                  <a:lnTo>
+                    <a:pt x="4512035" y="475274"/>
+                  </a:lnTo>
+                  <a:lnTo>
+                    <a:pt x="4448485" y="525606"/>
+                  </a:lnTo>
+                  <a:lnTo>
+                    <a:pt x="4384935" y="579162"/>
+                  </a:lnTo>
+                  <a:lnTo>
+                    <a:pt x="4321385" y="636015"/>
+                  </a:lnTo>
+                  <a:lnTo>
+                    <a:pt x="4257836" y="696220"/>
+                  </a:lnTo>
+                  <a:lnTo>
+                    <a:pt x="4194286" y="759812"/>
+                  </a:lnTo>
+                  <a:lnTo>
+                    <a:pt x="4130736" y="826802"/>
+                  </a:lnTo>
+                  <a:lnTo>
+                    <a:pt x="4067186" y="897176"/>
+                  </a:lnTo>
+                  <a:lnTo>
+                    <a:pt x="4003636" y="970895"/>
+                  </a:lnTo>
+                  <a:lnTo>
+                    <a:pt x="3940087" y="1047890"/>
+                  </a:lnTo>
+                  <a:lnTo>
+                    <a:pt x="3876537" y="1128067"/>
+                  </a:lnTo>
+                  <a:lnTo>
+                    <a:pt x="3812987" y="1211303"/>
+                  </a:lnTo>
+                  <a:lnTo>
+                    <a:pt x="3749437" y="1297448"/>
+                  </a:lnTo>
+                  <a:lnTo>
+                    <a:pt x="3685888" y="1386331"/>
+                  </a:lnTo>
+                  <a:lnTo>
+                    <a:pt x="3622338" y="1477754"/>
+                  </a:lnTo>
+                  <a:lnTo>
+                    <a:pt x="3558788" y="1571503"/>
+                  </a:lnTo>
+                  <a:lnTo>
+                    <a:pt x="3495238" y="1667348"/>
+                  </a:lnTo>
+                  <a:lnTo>
+                    <a:pt x="3431688" y="1765042"/>
+                  </a:lnTo>
+                  <a:lnTo>
+                    <a:pt x="3368139" y="1864332"/>
+                  </a:lnTo>
+                  <a:lnTo>
+                    <a:pt x="3304589" y="1964954"/>
+                  </a:lnTo>
+                  <a:lnTo>
+                    <a:pt x="3241039" y="2066641"/>
+                  </a:lnTo>
+                  <a:lnTo>
+                    <a:pt x="3177489" y="2169123"/>
+                  </a:lnTo>
+                  <a:lnTo>
+                    <a:pt x="3113939" y="2272127"/>
+                  </a:lnTo>
+                  <a:lnTo>
+                    <a:pt x="3050390" y="2375378"/>
+                  </a:lnTo>
+                  <a:lnTo>
+                    <a:pt x="2986840" y="2478602"/>
+                  </a:lnTo>
+                  <a:lnTo>
+                    <a:pt x="2923290" y="2581524"/>
+                  </a:lnTo>
+                  <a:lnTo>
+                    <a:pt x="2859740" y="2683871"/>
+                  </a:lnTo>
+                  <a:lnTo>
+                    <a:pt x="2796190" y="2785368"/>
+                  </a:lnTo>
+                  <a:lnTo>
+                    <a:pt x="2732641" y="2885743"/>
+                  </a:lnTo>
+                  <a:lnTo>
+                    <a:pt x="2669091" y="2984730"/>
+                  </a:lnTo>
+                  <a:lnTo>
+                    <a:pt x="2605541" y="3082064"/>
+                  </a:lnTo>
+                  <a:lnTo>
+                    <a:pt x="2541991" y="3177493"/>
+                  </a:lnTo>
+                  <a:lnTo>
+                    <a:pt x="2478441" y="3270773"/>
+                  </a:lnTo>
+                  <a:lnTo>
+                    <a:pt x="2414892" y="3361675"/>
+                  </a:lnTo>
+                  <a:lnTo>
+                    <a:pt x="2351342" y="3449988"/>
+                  </a:lnTo>
+                  <a:lnTo>
+                    <a:pt x="2287792" y="3535522"/>
+                  </a:lnTo>
+                  <a:lnTo>
+                    <a:pt x="2224242" y="3618110"/>
+                  </a:lnTo>
+                  <a:lnTo>
+                    <a:pt x="2160692" y="3697610"/>
+                  </a:lnTo>
+                  <a:lnTo>
+                    <a:pt x="2097143" y="3773909"/>
+                  </a:lnTo>
+                  <a:lnTo>
+                    <a:pt x="2033593" y="3846921"/>
+                  </a:lnTo>
+                  <a:lnTo>
+                    <a:pt x="1970043" y="3916588"/>
+                  </a:lnTo>
+                  <a:lnTo>
+                    <a:pt x="1906493" y="3982883"/>
+                  </a:lnTo>
+                  <a:lnTo>
+                    <a:pt x="1842944" y="4045803"/>
+                  </a:lnTo>
+                  <a:lnTo>
+                    <a:pt x="1779394" y="4105372"/>
+                  </a:lnTo>
+                  <a:lnTo>
+                    <a:pt x="1715844" y="4161637"/>
+                  </a:lnTo>
+                  <a:lnTo>
+                    <a:pt x="1652294" y="4214669"/>
+                  </a:lnTo>
+                  <a:lnTo>
+                    <a:pt x="1588744" y="4264555"/>
+                  </a:lnTo>
+                  <a:lnTo>
+                    <a:pt x="1525195" y="4311402"/>
+                  </a:lnTo>
+                  <a:lnTo>
+                    <a:pt x="1461645" y="4355330"/>
+                  </a:lnTo>
+                  <a:lnTo>
+                    <a:pt x="1398095" y="4396472"/>
+                  </a:lnTo>
+                  <a:lnTo>
+                    <a:pt x="1334545" y="4434971"/>
+                  </a:lnTo>
+                  <a:lnTo>
+                    <a:pt x="1270995" y="4470977"/>
+                  </a:lnTo>
+                  <a:lnTo>
+                    <a:pt x="1207446" y="4504646"/>
+                  </a:lnTo>
+                  <a:lnTo>
+                    <a:pt x="1143896" y="4536137"/>
+                  </a:lnTo>
+                  <a:lnTo>
+                    <a:pt x="1080346" y="4565600"/>
+                  </a:lnTo>
+                  <a:lnTo>
+                    <a:pt x="1016796" y="4593178"/>
+                  </a:lnTo>
+                  <a:lnTo>
+                    <a:pt x="953246" y="4618988"/>
+                  </a:lnTo>
+                  <a:lnTo>
+                    <a:pt x="889697" y="4643114"/>
+                  </a:lnTo>
+                  <a:lnTo>
+                    <a:pt x="826147" y="4665597"/>
+                  </a:lnTo>
+                  <a:lnTo>
+                    <a:pt x="762597" y="4686440"/>
+                  </a:lnTo>
+                  <a:lnTo>
+                    <a:pt x="699047" y="4705623"/>
+                  </a:lnTo>
+                  <a:lnTo>
+                    <a:pt x="635497" y="4723123"/>
+                  </a:lnTo>
+                  <a:lnTo>
+                    <a:pt x="571948" y="4738944"/>
+                  </a:lnTo>
+                  <a:lnTo>
+                    <a:pt x="508398" y="4753121"/>
+                  </a:lnTo>
+                  <a:lnTo>
+                    <a:pt x="444848" y="4765728"/>
+                  </a:lnTo>
+                  <a:lnTo>
+                    <a:pt x="381298" y="4776865"/>
+                  </a:lnTo>
+                  <a:lnTo>
+                    <a:pt x="317748" y="4786649"/>
+                  </a:lnTo>
+                  <a:lnTo>
+                    <a:pt x="254199" y="4795207"/>
+                  </a:lnTo>
+                  <a:lnTo>
+                    <a:pt x="190649" y="4802664"/>
+                  </a:lnTo>
+                  <a:lnTo>
+                    <a:pt x="127099" y="4809145"/>
+                  </a:lnTo>
+                  <a:lnTo>
+                    <a:pt x="63549" y="4814762"/>
+                  </a:lnTo>
+                  <a:lnTo>
+                    <a:pt x="0" y="4819622"/>
+                  </a:lnTo>
+                  <a:lnTo>
+                    <a:pt x="0" y="4819622"/>
                   </a:lnTo>
                 </a:path>
               </a:pathLst>
@@ -4217,192 +4553,276 @@
           </p:nvSpPr>
           <p:spPr>
             <a:xfrm>
-              <a:off x="2199579" y="1561513"/>
-              <a:ext cx="5592381" cy="4500707"/>
+              <a:off x="2199579" y="1121720"/>
+              <a:ext cx="5592381" cy="4935025"/>
             </a:xfrm>
             <a:custGeom>
               <a:avLst/>
               <a:pathLst>
-                <a:path w="5592381" h="4500707">
+                <a:path w="5592381" h="4935025">
                   <a:moveTo>
-                    <a:pt x="0" y="4500707"/>
+                    <a:pt x="0" y="4935025"/>
                   </a:moveTo>
                   <a:lnTo>
-                    <a:pt x="93206" y="4495233"/>
-                  </a:lnTo>
-                  <a:lnTo>
-                    <a:pt x="186412" y="4489054"/>
-                  </a:lnTo>
-                  <a:lnTo>
-                    <a:pt x="279619" y="4482080"/>
-                  </a:lnTo>
-                  <a:lnTo>
-                    <a:pt x="372825" y="4474215"/>
-                  </a:lnTo>
-                  <a:lnTo>
-                    <a:pt x="466031" y="4465347"/>
-                  </a:lnTo>
-                  <a:lnTo>
-                    <a:pt x="559238" y="4455354"/>
-                  </a:lnTo>
-                  <a:lnTo>
-                    <a:pt x="652444" y="4444102"/>
-                  </a:lnTo>
-                  <a:lnTo>
-                    <a:pt x="745650" y="4431440"/>
-                  </a:lnTo>
-                  <a:lnTo>
-                    <a:pt x="838857" y="4417203"/>
-                  </a:lnTo>
-                  <a:lnTo>
-                    <a:pt x="932063" y="4401208"/>
-                  </a:lnTo>
-                  <a:lnTo>
-                    <a:pt x="1025269" y="4383259"/>
-                  </a:lnTo>
-                  <a:lnTo>
-                    <a:pt x="1118476" y="4363137"/>
-                  </a:lnTo>
-                  <a:lnTo>
-                    <a:pt x="1211682" y="4340609"/>
-                  </a:lnTo>
-                  <a:lnTo>
-                    <a:pt x="1304889" y="4315422"/>
-                  </a:lnTo>
-                  <a:lnTo>
-                    <a:pt x="1398095" y="4287306"/>
-                  </a:lnTo>
-                  <a:lnTo>
-                    <a:pt x="1491301" y="4255976"/>
-                  </a:lnTo>
-                  <a:lnTo>
-                    <a:pt x="1584508" y="4221133"/>
-                  </a:lnTo>
-                  <a:lnTo>
-                    <a:pt x="1677714" y="4182464"/>
-                  </a:lnTo>
-                  <a:lnTo>
-                    <a:pt x="1770920" y="4139654"/>
-                  </a:lnTo>
-                  <a:lnTo>
-                    <a:pt x="1864127" y="4092381"/>
-                  </a:lnTo>
-                  <a:lnTo>
-                    <a:pt x="1957333" y="4040332"/>
-                  </a:lnTo>
-                  <a:lnTo>
-                    <a:pt x="2050539" y="3983205"/>
-                  </a:lnTo>
-                  <a:lnTo>
-                    <a:pt x="2143746" y="3920718"/>
-                  </a:lnTo>
-                  <a:lnTo>
-                    <a:pt x="2236952" y="3852625"/>
-                  </a:lnTo>
-                  <a:lnTo>
-                    <a:pt x="2330159" y="3778718"/>
-                  </a:lnTo>
-                  <a:lnTo>
-                    <a:pt x="2423365" y="3698846"/>
-                  </a:lnTo>
-                  <a:lnTo>
-                    <a:pt x="2516571" y="3612923"/>
-                  </a:lnTo>
-                  <a:lnTo>
-                    <a:pt x="2609778" y="3520935"/>
-                  </a:lnTo>
-                  <a:lnTo>
-                    <a:pt x="2702984" y="3422952"/>
-                  </a:lnTo>
-                  <a:lnTo>
-                    <a:pt x="2796190" y="3319130"/>
-                  </a:lnTo>
-                  <a:lnTo>
-                    <a:pt x="2889397" y="3209716"/>
-                  </a:lnTo>
-                  <a:lnTo>
-                    <a:pt x="2982603" y="3095040"/>
-                  </a:lnTo>
-                  <a:lnTo>
-                    <a:pt x="3075809" y="2975514"/>
-                  </a:lnTo>
-                  <a:lnTo>
-                    <a:pt x="3169016" y="2851621"/>
-                  </a:lnTo>
-                  <a:lnTo>
-                    <a:pt x="3262222" y="2723900"/>
-                  </a:lnTo>
-                  <a:lnTo>
-                    <a:pt x="3355429" y="2592938"/>
-                  </a:lnTo>
-                  <a:lnTo>
-                    <a:pt x="3448635" y="2459351"/>
-                  </a:lnTo>
-                  <a:lnTo>
-                    <a:pt x="3541841" y="2323778"/>
-                  </a:lnTo>
-                  <a:lnTo>
-                    <a:pt x="3635048" y="2186869"/>
-                  </a:lnTo>
-                  <a:lnTo>
-                    <a:pt x="3728254" y="2049279"/>
-                  </a:lnTo>
-                  <a:lnTo>
-                    <a:pt x="3821460" y="1911666"/>
-                  </a:lnTo>
-                  <a:lnTo>
-                    <a:pt x="3914667" y="1774688"/>
-                  </a:lnTo>
-                  <a:lnTo>
-                    <a:pt x="4007873" y="1639000"/>
-                  </a:lnTo>
-                  <a:lnTo>
-                    <a:pt x="4101079" y="1505252"/>
-                  </a:lnTo>
-                  <a:lnTo>
-                    <a:pt x="4194286" y="1374085"/>
-                  </a:lnTo>
-                  <a:lnTo>
-                    <a:pt x="4287492" y="1246117"/>
-                  </a:lnTo>
-                  <a:lnTo>
-                    <a:pt x="4380699" y="1121937"/>
-                  </a:lnTo>
-                  <a:lnTo>
-                    <a:pt x="4473905" y="1002088"/>
-                  </a:lnTo>
-                  <a:lnTo>
-                    <a:pt x="4567111" y="887057"/>
-                  </a:lnTo>
-                  <a:lnTo>
-                    <a:pt x="4660318" y="777261"/>
-                  </a:lnTo>
-                  <a:lnTo>
-                    <a:pt x="4753524" y="673037"/>
-                  </a:lnTo>
-                  <a:lnTo>
-                    <a:pt x="4846730" y="574638"/>
-                  </a:lnTo>
-                  <a:lnTo>
-                    <a:pt x="4939937" y="482225"/>
-                  </a:lnTo>
-                  <a:lnTo>
-                    <a:pt x="5033143" y="395875"/>
-                  </a:lnTo>
-                  <a:lnTo>
-                    <a:pt x="5126349" y="315581"/>
-                  </a:lnTo>
-                  <a:lnTo>
-                    <a:pt x="5219556" y="241259"/>
-                  </a:lnTo>
-                  <a:lnTo>
-                    <a:pt x="5312762" y="172763"/>
-                  </a:lnTo>
-                  <a:lnTo>
-                    <a:pt x="5405969" y="109891"/>
-                  </a:lnTo>
-                  <a:lnTo>
-                    <a:pt x="5499175" y="52396"/>
+                    <a:pt x="63549" y="4928846"/>
+                  </a:lnTo>
+                  <a:lnTo>
+                    <a:pt x="127099" y="4921873"/>
+                  </a:lnTo>
+                  <a:lnTo>
+                    <a:pt x="190649" y="4914007"/>
+                  </a:lnTo>
+                  <a:lnTo>
+                    <a:pt x="254199" y="4905139"/>
+                  </a:lnTo>
+                  <a:lnTo>
+                    <a:pt x="317748" y="4895147"/>
+                  </a:lnTo>
+                  <a:lnTo>
+                    <a:pt x="381298" y="4883894"/>
+                  </a:lnTo>
+                  <a:lnTo>
+                    <a:pt x="444848" y="4871232"/>
+                  </a:lnTo>
+                  <a:lnTo>
+                    <a:pt x="508398" y="4856995"/>
+                  </a:lnTo>
+                  <a:lnTo>
+                    <a:pt x="571948" y="4841001"/>
+                  </a:lnTo>
+                  <a:lnTo>
+                    <a:pt x="635497" y="4823051"/>
+                  </a:lnTo>
+                  <a:lnTo>
+                    <a:pt x="699047" y="4802930"/>
+                  </a:lnTo>
+                  <a:lnTo>
+                    <a:pt x="762597" y="4780401"/>
+                  </a:lnTo>
+                  <a:lnTo>
+                    <a:pt x="826147" y="4755214"/>
+                  </a:lnTo>
+                  <a:lnTo>
+                    <a:pt x="889697" y="4727099"/>
+                  </a:lnTo>
+                  <a:lnTo>
+                    <a:pt x="953246" y="4695769"/>
+                  </a:lnTo>
+                  <a:lnTo>
+                    <a:pt x="1016796" y="4660925"/>
+                  </a:lnTo>
+                  <a:lnTo>
+                    <a:pt x="1080346" y="4622257"/>
+                  </a:lnTo>
+                  <a:lnTo>
+                    <a:pt x="1143896" y="4579446"/>
+                  </a:lnTo>
+                  <a:lnTo>
+                    <a:pt x="1207446" y="4532174"/>
+                  </a:lnTo>
+                  <a:lnTo>
+                    <a:pt x="1270995" y="4480125"/>
+                  </a:lnTo>
+                  <a:lnTo>
+                    <a:pt x="1334545" y="4422997"/>
+                  </a:lnTo>
+                  <a:lnTo>
+                    <a:pt x="1398095" y="4360511"/>
+                  </a:lnTo>
+                  <a:lnTo>
+                    <a:pt x="1461645" y="4292417"/>
+                  </a:lnTo>
+                  <a:lnTo>
+                    <a:pt x="1525195" y="4218510"/>
+                  </a:lnTo>
+                  <a:lnTo>
+                    <a:pt x="1588744" y="4138639"/>
+                  </a:lnTo>
+                  <a:lnTo>
+                    <a:pt x="1652294" y="4052715"/>
+                  </a:lnTo>
+                  <a:lnTo>
+                    <a:pt x="1715844" y="3960727"/>
+                  </a:lnTo>
+                  <a:lnTo>
+                    <a:pt x="1779394" y="3862744"/>
+                  </a:lnTo>
+                  <a:lnTo>
+                    <a:pt x="1842944" y="3758923"/>
+                  </a:lnTo>
+                  <a:lnTo>
+                    <a:pt x="1906493" y="3649508"/>
+                  </a:lnTo>
+                  <a:lnTo>
+                    <a:pt x="1970043" y="3534832"/>
+                  </a:lnTo>
+                  <a:lnTo>
+                    <a:pt x="2033593" y="3415307"/>
+                  </a:lnTo>
+                  <a:lnTo>
+                    <a:pt x="2097143" y="3291413"/>
+                  </a:lnTo>
+                  <a:lnTo>
+                    <a:pt x="2160692" y="3163692"/>
+                  </a:lnTo>
+                  <a:lnTo>
+                    <a:pt x="2224242" y="3032730"/>
+                  </a:lnTo>
+                  <a:lnTo>
+                    <a:pt x="2287792" y="2899143"/>
+                  </a:lnTo>
+                  <a:lnTo>
+                    <a:pt x="2351342" y="2763571"/>
+                  </a:lnTo>
+                  <a:lnTo>
+                    <a:pt x="2414892" y="2626661"/>
+                  </a:lnTo>
+                  <a:lnTo>
+                    <a:pt x="2478441" y="2489071"/>
+                  </a:lnTo>
+                  <a:lnTo>
+                    <a:pt x="2541991" y="2351458"/>
+                  </a:lnTo>
+                  <a:lnTo>
+                    <a:pt x="2605541" y="2214480"/>
+                  </a:lnTo>
+                  <a:lnTo>
+                    <a:pt x="2669091" y="2078792"/>
+                  </a:lnTo>
+                  <a:lnTo>
+                    <a:pt x="2732641" y="1945045"/>
+                  </a:lnTo>
+                  <a:lnTo>
+                    <a:pt x="2796190" y="1813878"/>
+                  </a:lnTo>
+                  <a:lnTo>
+                    <a:pt x="2859740" y="1685910"/>
+                  </a:lnTo>
+                  <a:lnTo>
+                    <a:pt x="2923290" y="1561729"/>
+                  </a:lnTo>
+                  <a:lnTo>
+                    <a:pt x="2986840" y="1441880"/>
+                  </a:lnTo>
+                  <a:lnTo>
+                    <a:pt x="3050390" y="1326849"/>
+                  </a:lnTo>
+                  <a:lnTo>
+                    <a:pt x="3113939" y="1217053"/>
+                  </a:lnTo>
+                  <a:lnTo>
+                    <a:pt x="3177489" y="1112830"/>
+                  </a:lnTo>
+                  <a:lnTo>
+                    <a:pt x="3241039" y="1014430"/>
+                  </a:lnTo>
+                  <a:lnTo>
+                    <a:pt x="3304589" y="922018"/>
+                  </a:lnTo>
+                  <a:lnTo>
+                    <a:pt x="3368139" y="835668"/>
+                  </a:lnTo>
+                  <a:lnTo>
+                    <a:pt x="3431688" y="755373"/>
+                  </a:lnTo>
+                  <a:lnTo>
+                    <a:pt x="3495238" y="681051"/>
+                  </a:lnTo>
+                  <a:lnTo>
+                    <a:pt x="3558788" y="612556"/>
+                  </a:lnTo>
+                  <a:lnTo>
+                    <a:pt x="3622338" y="549683"/>
+                  </a:lnTo>
+                  <a:lnTo>
+                    <a:pt x="3685888" y="492188"/>
+                  </a:lnTo>
+                  <a:lnTo>
+                    <a:pt x="3749437" y="439792"/>
+                  </a:lnTo>
+                  <a:lnTo>
+                    <a:pt x="3812987" y="392194"/>
+                  </a:lnTo>
+                  <a:lnTo>
+                    <a:pt x="3876537" y="349080"/>
+                  </a:lnTo>
+                  <a:lnTo>
+                    <a:pt x="3940087" y="310131"/>
+                  </a:lnTo>
+                  <a:lnTo>
+                    <a:pt x="4003636" y="275029"/>
+                  </a:lnTo>
+                  <a:lnTo>
+                    <a:pt x="4067186" y="243463"/>
+                  </a:lnTo>
+                  <a:lnTo>
+                    <a:pt x="4130736" y="215131"/>
+                  </a:lnTo>
+                  <a:lnTo>
+                    <a:pt x="4194286" y="189747"/>
+                  </a:lnTo>
+                  <a:lnTo>
+                    <a:pt x="4257836" y="167040"/>
+                  </a:lnTo>
+                  <a:lnTo>
+                    <a:pt x="4321385" y="146757"/>
+                  </a:lnTo>
+                  <a:lnTo>
+                    <a:pt x="4384935" y="128662"/>
+                  </a:lnTo>
+                  <a:lnTo>
+                    <a:pt x="4448485" y="112538"/>
+                  </a:lnTo>
+                  <a:lnTo>
+                    <a:pt x="4512035" y="98183"/>
+                  </a:lnTo>
+                  <a:lnTo>
+                    <a:pt x="4575585" y="85416"/>
+                  </a:lnTo>
+                  <a:lnTo>
+                    <a:pt x="4639134" y="74070"/>
+                  </a:lnTo>
+                  <a:lnTo>
+                    <a:pt x="4702684" y="63993"/>
+                  </a:lnTo>
+                  <a:lnTo>
+                    <a:pt x="4766234" y="55050"/>
+                  </a:lnTo>
+                  <a:lnTo>
+                    <a:pt x="4829784" y="47118"/>
+                  </a:lnTo>
+                  <a:lnTo>
+                    <a:pt x="4893334" y="40085"/>
+                  </a:lnTo>
+                  <a:lnTo>
+                    <a:pt x="4956883" y="33853"/>
+                  </a:lnTo>
+                  <a:lnTo>
+                    <a:pt x="5020433" y="28333"/>
+                  </a:lnTo>
+                  <a:lnTo>
+                    <a:pt x="5083983" y="23444"/>
+                  </a:lnTo>
+                  <a:lnTo>
+                    <a:pt x="5147533" y="19117"/>
+                  </a:lnTo>
+                  <a:lnTo>
+                    <a:pt x="5211083" y="15287"/>
+                  </a:lnTo>
+                  <a:lnTo>
+                    <a:pt x="5274632" y="11898"/>
+                  </a:lnTo>
+                  <a:lnTo>
+                    <a:pt x="5338182" y="8900"/>
+                  </a:lnTo>
+                  <a:lnTo>
+                    <a:pt x="5401732" y="6249"/>
+                  </a:lnTo>
+                  <a:lnTo>
+                    <a:pt x="5465282" y="3905"/>
+                  </a:lnTo>
+                  <a:lnTo>
+                    <a:pt x="5528832" y="1832"/>
                   </a:lnTo>
                   <a:lnTo>
                     <a:pt x="5592381" y="0"/>
@@ -4437,7 +4857,7 @@
           </p:nvSpPr>
           <p:spPr>
             <a:xfrm>
-              <a:off x="2332684" y="5963610"/>
+              <a:off x="2209821" y="5963610"/>
               <a:ext cx="106615" cy="106615"/>
             </a:xfrm>
             <a:prstGeom prst="ellipse">
@@ -4472,7 +4892,7 @@
           </p:nvSpPr>
           <p:spPr>
             <a:xfrm>
-              <a:off x="2426722" y="5909158"/>
+              <a:off x="2274203" y="5909158"/>
               <a:ext cx="104952" cy="104952"/>
             </a:xfrm>
             <a:prstGeom prst="ellipse">
@@ -4507,7 +4927,7 @@
           </p:nvSpPr>
           <p:spPr>
             <a:xfrm>
-              <a:off x="2506317" y="5918155"/>
+              <a:off x="2324141" y="5918155"/>
               <a:ext cx="132175" cy="132175"/>
             </a:xfrm>
             <a:prstGeom prst="ellipse">
@@ -4542,7 +4962,7 @@
           </p:nvSpPr>
           <p:spPr>
             <a:xfrm>
-              <a:off x="2592802" y="5968607"/>
+              <a:off x="2380970" y="5968607"/>
               <a:ext cx="145616" cy="145616"/>
             </a:xfrm>
             <a:prstGeom prst="ellipse">
@@ -4577,7 +4997,7 @@
           </p:nvSpPr>
           <p:spPr>
             <a:xfrm>
-              <a:off x="2701538" y="5903118"/>
+              <a:off x="2460049" y="5903118"/>
               <a:ext cx="114557" cy="114557"/>
             </a:xfrm>
             <a:prstGeom prst="ellipse">
@@ -4612,7 +5032,7 @@
           </p:nvSpPr>
           <p:spPr>
             <a:xfrm>
-              <a:off x="2795245" y="5930117"/>
+              <a:off x="2524099" y="5930117"/>
               <a:ext cx="113557" cy="113557"/>
             </a:xfrm>
             <a:prstGeom prst="ellipse">
@@ -4647,7 +5067,7 @@
           </p:nvSpPr>
           <p:spPr>
             <a:xfrm>
-              <a:off x="2887811" y="5905353"/>
+              <a:off x="2587009" y="5905353"/>
               <a:ext cx="114837" cy="114837"/>
             </a:xfrm>
             <a:prstGeom prst="ellipse">
@@ -4682,7 +5102,7 @@
           </p:nvSpPr>
           <p:spPr>
             <a:xfrm>
-              <a:off x="2990269" y="5720464"/>
+              <a:off x="2659810" y="5720464"/>
               <a:ext cx="96335" cy="96335"/>
             </a:xfrm>
             <a:prstGeom prst="ellipse">
@@ -4717,7 +5137,7 @@
           </p:nvSpPr>
           <p:spPr>
             <a:xfrm>
-              <a:off x="3067402" y="5904422"/>
+              <a:off x="2707286" y="5904422"/>
               <a:ext cx="128481" cy="128481"/>
             </a:xfrm>
             <a:prstGeom prst="ellipse">
@@ -4752,7 +5172,7 @@
           </p:nvSpPr>
           <p:spPr>
             <a:xfrm>
-              <a:off x="3159121" y="5935436"/>
+              <a:off x="2769349" y="5935436"/>
               <a:ext cx="131456" cy="131456"/>
             </a:xfrm>
             <a:prstGeom prst="ellipse">
@@ -4787,7 +5207,7 @@
           </p:nvSpPr>
           <p:spPr>
             <a:xfrm>
-              <a:off x="3250756" y="5875239"/>
+              <a:off x="2831328" y="5875239"/>
               <a:ext cx="134597" cy="134597"/>
             </a:xfrm>
             <a:prstGeom prst="ellipse">
@@ -4822,7 +5242,7 @@
           </p:nvSpPr>
           <p:spPr>
             <a:xfrm>
-              <a:off x="3348823" y="5894122"/>
+              <a:off x="2899738" y="5894122"/>
               <a:ext cx="124877" cy="124877"/>
             </a:xfrm>
             <a:prstGeom prst="ellipse">
@@ -4857,7 +5277,7 @@
           </p:nvSpPr>
           <p:spPr>
             <a:xfrm>
-              <a:off x="3444602" y="5838204"/>
+              <a:off x="2965861" y="5838204"/>
               <a:ext cx="119731" cy="119731"/>
             </a:xfrm>
             <a:prstGeom prst="ellipse">
@@ -4892,7 +5312,7 @@
           </p:nvSpPr>
           <p:spPr>
             <a:xfrm>
-              <a:off x="3541041" y="5677185"/>
+              <a:off x="3032643" y="5677185"/>
               <a:ext cx="113266" cy="113266"/>
             </a:xfrm>
             <a:prstGeom prst="ellipse">
@@ -4927,7 +5347,7 @@
           </p:nvSpPr>
           <p:spPr>
             <a:xfrm>
-              <a:off x="3641642" y="5664816"/>
+              <a:off x="3103587" y="5664816"/>
               <a:ext cx="98478" cy="98478"/>
             </a:xfrm>
             <a:prstGeom prst="ellipse">
@@ -4962,7 +5382,7 @@
           </p:nvSpPr>
           <p:spPr>
             <a:xfrm>
-              <a:off x="3726256" y="5713591"/>
+              <a:off x="3158544" y="5713591"/>
               <a:ext cx="115662" cy="115662"/>
             </a:xfrm>
             <a:prstGeom prst="ellipse">
@@ -4997,7 +5417,7 @@
           </p:nvSpPr>
           <p:spPr>
             <a:xfrm>
-              <a:off x="3814905" y="5747204"/>
+              <a:off x="3217537" y="5747204"/>
               <a:ext cx="124776" cy="124776"/>
             </a:xfrm>
             <a:prstGeom prst="ellipse">
@@ -5032,7 +5452,7 @@
           </p:nvSpPr>
           <p:spPr>
             <a:xfrm>
-              <a:off x="3914927" y="5626797"/>
+              <a:off x="3287902" y="5626797"/>
               <a:ext cx="111146" cy="111146"/>
             </a:xfrm>
             <a:prstGeom prst="ellipse">
@@ -5067,7 +5487,7 @@
           </p:nvSpPr>
           <p:spPr>
             <a:xfrm>
-              <a:off x="4002748" y="5388408"/>
+              <a:off x="3346067" y="5388408"/>
               <a:ext cx="121916" cy="121916"/>
             </a:xfrm>
             <a:prstGeom prst="ellipse">
@@ -5102,7 +5522,7 @@
           </p:nvSpPr>
           <p:spPr>
             <a:xfrm>
-              <a:off x="4097227" y="5357425"/>
+              <a:off x="3410889" y="5357425"/>
               <a:ext cx="119371" cy="119371"/>
             </a:xfrm>
             <a:prstGeom prst="ellipse">
@@ -5137,7 +5557,7 @@
           </p:nvSpPr>
           <p:spPr>
             <a:xfrm>
-              <a:off x="4193559" y="5282096"/>
+              <a:off x="3477565" y="5282096"/>
               <a:ext cx="113119" cy="113119"/>
             </a:xfrm>
             <a:prstGeom prst="ellipse">
@@ -5602,7 +6022,7 @@
           </p:nvSpPr>
           <p:spPr>
             <a:xfrm>
-              <a:off x="2292785" y="6104097"/>
+              <a:off x="2199579" y="6104097"/>
               <a:ext cx="0" cy="34794"/>
             </a:xfrm>
             <a:custGeom>
@@ -5642,7 +6062,7 @@
           </p:nvSpPr>
           <p:spPr>
             <a:xfrm>
-              <a:off x="3597674" y="6104097"/>
+              <a:off x="3089276" y="6104097"/>
               <a:ext cx="0" cy="34794"/>
             </a:xfrm>
             <a:custGeom>
@@ -5682,7 +6102,7 @@
           </p:nvSpPr>
           <p:spPr>
             <a:xfrm>
-              <a:off x="5182183" y="6104097"/>
+              <a:off x="4169623" y="6104097"/>
               <a:ext cx="0" cy="34794"/>
             </a:xfrm>
             <a:custGeom>
@@ -5722,7 +6142,7 @@
           </p:nvSpPr>
           <p:spPr>
             <a:xfrm>
-              <a:off x="6487072" y="6104097"/>
+              <a:off x="5059320" y="6104097"/>
               <a:ext cx="0" cy="34794"/>
             </a:xfrm>
             <a:custGeom>
@@ -5762,7 +6182,7 @@
           </p:nvSpPr>
           <p:spPr>
             <a:xfrm>
-              <a:off x="7791961" y="6104097"/>
+              <a:off x="5949017" y="6104097"/>
               <a:ext cx="0" cy="34794"/>
             </a:xfrm>
             <a:custGeom>
@@ -5796,13 +6216,53 @@
         </p:sp>
         <p:sp>
           <p:nvSpPr>
-            <p:cNvPr id="50" name="tx50"/>
+            <p:cNvPr id="50" name="pl50"/>
             <p:cNvSpPr/>
             <p:nvPr/>
           </p:nvSpPr>
           <p:spPr>
             <a:xfrm>
-              <a:off x="2109757" y="6164882"/>
+              <a:off x="6838714" y="6104097"/>
+              <a:ext cx="0" cy="34794"/>
+            </a:xfrm>
+            <a:custGeom>
+              <a:avLst/>
+              <a:pathLst>
+                <a:path w="0" h="34794">
+                  <a:moveTo>
+                    <a:pt x="0" y="34794"/>
+                  </a:moveTo>
+                  <a:lnTo>
+                    <a:pt x="0" y="0"/>
+                  </a:lnTo>
+                </a:path>
+              </a:pathLst>
+            </a:custGeom>
+            <a:ln w="13550" cap="flat">
+              <a:solidFill>
+                <a:srgbClr val="333333">
+                  <a:alpha val="100000"/>
+                </a:srgbClr>
+              </a:solidFill>
+              <a:prstDash val="solid"/>
+              <a:round/>
+            </a:ln>
+          </p:spPr>
+          <p:txBody>
+            <a:bodyPr/>
+            <a:lstStyle/>
+            <a:p/>
+          </p:txBody>
+        </p:sp>
+        <p:sp>
+          <p:nvSpPr>
+            <p:cNvPr id="51" name="tx51"/>
+            <p:cNvSpPr/>
+            <p:nvPr/>
+          </p:nvSpPr>
+          <p:spPr>
+            <a:xfrm>
+              <a:off x="2016550" y="6164882"/>
               <a:ext cx="366057" cy="89118"/>
             </a:xfrm>
             <a:prstGeom prst="rect">
@@ -5842,13 +6302,13 @@
         </p:sp>
         <p:sp>
           <p:nvSpPr>
-            <p:cNvPr id="51" name="tx51"/>
+            <p:cNvPr id="52" name="tx52"/>
             <p:cNvSpPr/>
             <p:nvPr/>
           </p:nvSpPr>
           <p:spPr>
             <a:xfrm>
-              <a:off x="3414646" y="6164882"/>
+              <a:off x="2906247" y="6164882"/>
               <a:ext cx="366057" cy="89118"/>
             </a:xfrm>
             <a:prstGeom prst="rect">
@@ -5888,13 +6348,13 @@
         </p:sp>
         <p:sp>
           <p:nvSpPr>
-            <p:cNvPr id="52" name="tx52"/>
+            <p:cNvPr id="53" name="tx53"/>
             <p:cNvSpPr/>
             <p:nvPr/>
           </p:nvSpPr>
           <p:spPr>
             <a:xfrm>
-              <a:off x="4992397" y="6164882"/>
+              <a:off x="3979837" y="6164882"/>
               <a:ext cx="379571" cy="89118"/>
             </a:xfrm>
             <a:prstGeom prst="rect">
@@ -5934,13 +6394,13 @@
         </p:sp>
         <p:sp>
           <p:nvSpPr>
-            <p:cNvPr id="53" name="tx53"/>
+            <p:cNvPr id="54" name="tx54"/>
             <p:cNvSpPr/>
             <p:nvPr/>
           </p:nvSpPr>
           <p:spPr>
             <a:xfrm>
-              <a:off x="6297286" y="6164882"/>
+              <a:off x="4869534" y="6164882"/>
               <a:ext cx="379571" cy="89118"/>
             </a:xfrm>
             <a:prstGeom prst="rect">
@@ -5980,13 +6440,13 @@
         </p:sp>
         <p:sp>
           <p:nvSpPr>
-            <p:cNvPr id="54" name="tx54"/>
+            <p:cNvPr id="55" name="tx55"/>
             <p:cNvSpPr/>
             <p:nvPr/>
           </p:nvSpPr>
           <p:spPr>
             <a:xfrm>
-              <a:off x="7602235" y="6164882"/>
+              <a:off x="5759291" y="6164882"/>
               <a:ext cx="379452" cy="89118"/>
             </a:xfrm>
             <a:prstGeom prst="rect">
@@ -6026,7 +6486,53 @@
         </p:sp>
         <p:sp>
           <p:nvSpPr>
-            <p:cNvPr id="55" name="tx55"/>
+            <p:cNvPr id="56" name="tx56"/>
+            <p:cNvSpPr/>
+            <p:nvPr/>
+          </p:nvSpPr>
+          <p:spPr>
+            <a:xfrm>
+              <a:off x="6648988" y="6164882"/>
+              <a:ext cx="379452" cy="89118"/>
+            </a:xfrm>
+            <a:prstGeom prst="rect">
+              <a:avLst/>
+            </a:prstGeom>
+            <a:noFill/>
+          </p:spPr>
+          <p:txBody>
+            <a:bodyPr lIns="0" rIns="0" tIns="0" bIns="0" anchorCtr="1" anchor="ctr" wrap="none"/>
+            <a:lstStyle/>
+            <a:p>
+              <a:pPr algn="l" marL="0" marR="0" indent="0">
+                <a:lnSpc>
+                  <a:spcPts val="960"/>
+                </a:lnSpc>
+                <a:spcBef>
+                  <a:spcPts val="0"/>
+                </a:spcBef>
+                <a:spcAft>
+                  <a:spcPts val="0"/>
+                </a:spcAft>
+              </a:pPr>
+              <a:r>
+                <a:rPr sz="960">
+                  <a:solidFill>
+                    <a:srgbClr val="4D4D4D">
+                      <a:alpha val="100000"/>
+                    </a:srgbClr>
+                  </a:solidFill>
+                  <a:latin typeface="Arial"/>
+                  <a:cs typeface="Arial"/>
+                </a:rPr>
+                <a:t>Mar 15</a:t>
+              </a:r>
+            </a:p>
+          </p:txBody>
+        </p:sp>
+        <p:sp>
+          <p:nvSpPr>
+            <p:cNvPr id="57" name="tx57"/>
             <p:cNvSpPr/>
             <p:nvPr/>
           </p:nvSpPr>
@@ -6072,7 +6578,7 @@
         </p:sp>
         <p:sp>
           <p:nvSpPr>
-            <p:cNvPr id="56" name="tx56"/>
+            <p:cNvPr id="58" name="tx58"/>
             <p:cNvSpPr/>
             <p:nvPr/>
           </p:nvSpPr>
@@ -6118,7 +6624,7 @@
         </p:sp>
         <p:sp>
           <p:nvSpPr>
-            <p:cNvPr id="57" name="rc57"/>
+            <p:cNvPr id="59" name="rc59"/>
             <p:cNvSpPr/>
             <p:nvPr/>
           </p:nvSpPr>
@@ -6144,7 +6650,7 @@
         </p:sp>
         <p:sp>
           <p:nvSpPr>
-            <p:cNvPr id="58" name="tx58"/>
+            <p:cNvPr id="60" name="tx60"/>
             <p:cNvSpPr/>
             <p:nvPr/>
           </p:nvSpPr>
@@ -6190,7 +6696,7 @@
         </p:sp>
         <p:sp>
           <p:nvSpPr>
-            <p:cNvPr id="59" name="tx59"/>
+            <p:cNvPr id="61" name="tx61"/>
             <p:cNvSpPr/>
             <p:nvPr/>
           </p:nvSpPr>
@@ -6236,7 +6742,7 @@
         </p:sp>
         <p:sp>
           <p:nvSpPr>
-            <p:cNvPr id="60" name="rc60"/>
+            <p:cNvPr id="62" name="rc62"/>
             <p:cNvSpPr/>
             <p:nvPr/>
           </p:nvSpPr>
@@ -6257,7 +6763,7 @@
         </p:sp>
         <p:sp>
           <p:nvSpPr>
-            <p:cNvPr id="61" name="pt61"/>
+            <p:cNvPr id="63" name="pt63"/>
             <p:cNvSpPr/>
             <p:nvPr/>
           </p:nvSpPr>
@@ -6292,7 +6798,7 @@
         </p:sp>
         <p:sp>
           <p:nvSpPr>
-            <p:cNvPr id="62" name="rc62"/>
+            <p:cNvPr id="64" name="rc64"/>
             <p:cNvSpPr/>
             <p:nvPr/>
           </p:nvSpPr>
@@ -6313,7 +6819,7 @@
         </p:sp>
         <p:sp>
           <p:nvSpPr>
-            <p:cNvPr id="63" name="pt63"/>
+            <p:cNvPr id="65" name="pt65"/>
             <p:cNvSpPr/>
             <p:nvPr/>
           </p:nvSpPr>
@@ -6348,7 +6854,7 @@
         </p:sp>
         <p:sp>
           <p:nvSpPr>
-            <p:cNvPr id="64" name="rc64"/>
+            <p:cNvPr id="66" name="rc66"/>
             <p:cNvSpPr/>
             <p:nvPr/>
           </p:nvSpPr>
@@ -6369,7 +6875,7 @@
         </p:sp>
         <p:sp>
           <p:nvSpPr>
-            <p:cNvPr id="65" name="pt65"/>
+            <p:cNvPr id="67" name="pt67"/>
             <p:cNvSpPr/>
             <p:nvPr/>
           </p:nvSpPr>
@@ -6404,7 +6910,7 @@
         </p:sp>
         <p:sp>
           <p:nvSpPr>
-            <p:cNvPr id="66" name="rc66"/>
+            <p:cNvPr id="68" name="rc68"/>
             <p:cNvSpPr/>
             <p:nvPr/>
           </p:nvSpPr>
@@ -6425,7 +6931,7 @@
         </p:sp>
         <p:sp>
           <p:nvSpPr>
-            <p:cNvPr id="67" name="pt67"/>
+            <p:cNvPr id="69" name="pt69"/>
             <p:cNvSpPr/>
             <p:nvPr/>
           </p:nvSpPr>
@@ -6460,7 +6966,7 @@
         </p:sp>
         <p:sp>
           <p:nvSpPr>
-            <p:cNvPr id="68" name="rc68"/>
+            <p:cNvPr id="70" name="rc70"/>
             <p:cNvSpPr/>
             <p:nvPr/>
           </p:nvSpPr>
@@ -6481,7 +6987,7 @@
         </p:sp>
         <p:sp>
           <p:nvSpPr>
-            <p:cNvPr id="69" name="pt69"/>
+            <p:cNvPr id="71" name="pt71"/>
             <p:cNvSpPr/>
             <p:nvPr/>
           </p:nvSpPr>
@@ -6516,7 +7022,7 @@
         </p:sp>
         <p:sp>
           <p:nvSpPr>
-            <p:cNvPr id="70" name="tx70"/>
+            <p:cNvPr id="72" name="tx72"/>
             <p:cNvSpPr/>
             <p:nvPr/>
           </p:nvSpPr>
@@ -6562,7 +7068,7 @@
         </p:sp>
         <p:sp>
           <p:nvSpPr>
-            <p:cNvPr id="71" name="tx71"/>
+            <p:cNvPr id="73" name="tx73"/>
             <p:cNvSpPr/>
             <p:nvPr/>
           </p:nvSpPr>
@@ -6608,7 +7114,7 @@
         </p:sp>
         <p:sp>
           <p:nvSpPr>
-            <p:cNvPr id="72" name="tx72"/>
+            <p:cNvPr id="74" name="tx74"/>
             <p:cNvSpPr/>
             <p:nvPr/>
           </p:nvSpPr>
@@ -6654,7 +7160,7 @@
         </p:sp>
         <p:sp>
           <p:nvSpPr>
-            <p:cNvPr id="73" name="tx73"/>
+            <p:cNvPr id="75" name="tx75"/>
             <p:cNvSpPr/>
             <p:nvPr/>
           </p:nvSpPr>
@@ -6700,7 +7206,7 @@
         </p:sp>
         <p:sp>
           <p:nvSpPr>
-            <p:cNvPr id="74" name="tx74"/>
+            <p:cNvPr id="76" name="tx76"/>
             <p:cNvSpPr/>
             <p:nvPr/>
           </p:nvSpPr>

--- a/plots/fit1_binomGLMM_VOC_Belgium_response scale.pptx
+++ b/plots/fit1_binomGLMM_VOC_Belgium_response scale.pptx
@@ -4857,8 +4857,8 @@
           </p:nvSpPr>
           <p:spPr>
             <a:xfrm>
-              <a:off x="2209821" y="5963610"/>
-              <a:ext cx="106615" cy="106615"/>
+              <a:off x="2170195" y="5922414"/>
+              <a:ext cx="58768" cy="58768"/>
             </a:xfrm>
             <a:prstGeom prst="ellipse">
               <a:avLst/>
@@ -4892,8 +4892,8 @@
           </p:nvSpPr>
           <p:spPr>
             <a:xfrm>
-              <a:off x="2274203" y="5909158"/>
-              <a:ext cx="104952" cy="104952"/>
+              <a:off x="2220074" y="5973863"/>
+              <a:ext cx="86108" cy="86108"/>
             </a:xfrm>
             <a:prstGeom prst="ellipse">
               <a:avLst/>
@@ -4927,8 +4927,8 @@
           </p:nvSpPr>
           <p:spPr>
             <a:xfrm>
-              <a:off x="2324141" y="5918155"/>
-              <a:ext cx="132175" cy="132175"/>
+              <a:off x="2283968" y="5918924"/>
+              <a:ext cx="85420" cy="85420"/>
             </a:xfrm>
             <a:prstGeom prst="ellipse">
               <a:avLst/>
@@ -4962,8 +4962,8 @@
           </p:nvSpPr>
           <p:spPr>
             <a:xfrm>
-              <a:off x="2380970" y="5968607"/>
-              <a:ext cx="145616" cy="145616"/>
+              <a:off x="2340675" y="5934690"/>
+              <a:ext cx="99107" cy="99107"/>
             </a:xfrm>
             <a:prstGeom prst="ellipse">
               <a:avLst/>
@@ -4997,8 +4997,8 @@
           </p:nvSpPr>
           <p:spPr>
             <a:xfrm>
-              <a:off x="2460049" y="5903118"/>
-              <a:ext cx="114557" cy="114557"/>
+              <a:off x="2399718" y="5987356"/>
+              <a:ext cx="108119" cy="108119"/>
             </a:xfrm>
             <a:prstGeom prst="ellipse">
               <a:avLst/>
@@ -5032,8 +5032,8 @@
           </p:nvSpPr>
           <p:spPr>
             <a:xfrm>
-              <a:off x="2524099" y="5930117"/>
-              <a:ext cx="113557" cy="113557"/>
+              <a:off x="2472507" y="5915577"/>
+              <a:ext cx="89641" cy="89641"/>
             </a:xfrm>
             <a:prstGeom prst="ellipse">
               <a:avLst/>
@@ -5067,8 +5067,8 @@
           </p:nvSpPr>
           <p:spPr>
             <a:xfrm>
-              <a:off x="2587009" y="5905353"/>
-              <a:ext cx="114837" cy="114837"/>
+              <a:off x="2536291" y="5942309"/>
+              <a:ext cx="89173" cy="89173"/>
             </a:xfrm>
             <a:prstGeom prst="ellipse">
               <a:avLst/>
@@ -5102,8 +5102,8 @@
           </p:nvSpPr>
           <p:spPr>
             <a:xfrm>
-              <a:off x="2659810" y="5720464"/>
-              <a:ext cx="96335" cy="96335"/>
+              <a:off x="2599541" y="5917885"/>
+              <a:ext cx="89773" cy="89773"/>
             </a:xfrm>
             <a:prstGeom prst="ellipse">
               <a:avLst/>
@@ -5137,8 +5137,8 @@
           </p:nvSpPr>
           <p:spPr>
             <a:xfrm>
-              <a:off x="2707286" y="5904422"/>
-              <a:ext cx="128481" cy="128481"/>
+              <a:off x="2666916" y="5727570"/>
+              <a:ext cx="82123" cy="82123"/>
             </a:xfrm>
             <a:prstGeom prst="ellipse">
               <a:avLst/>
@@ -5172,8 +5172,8 @@
           </p:nvSpPr>
           <p:spPr>
             <a:xfrm>
-              <a:off x="2769349" y="5935436"/>
-              <a:ext cx="131456" cy="131456"/>
+              <a:off x="2723068" y="5920203"/>
+              <a:ext cx="96918" cy="96918"/>
             </a:xfrm>
             <a:prstGeom prst="ellipse">
               <a:avLst/>
@@ -5207,8 +5207,8 @@
           </p:nvSpPr>
           <p:spPr>
             <a:xfrm>
-              <a:off x="2831328" y="5875239"/>
-              <a:ext cx="134597" cy="134597"/>
+              <a:off x="2785741" y="5951828"/>
+              <a:ext cx="98671" cy="98671"/>
             </a:xfrm>
             <a:prstGeom prst="ellipse">
               <a:avLst/>
@@ -5242,8 +5242,8 @@
           </p:nvSpPr>
           <p:spPr>
             <a:xfrm>
-              <a:off x="2899738" y="5894122"/>
-              <a:ext cx="124877" cy="124877"/>
+              <a:off x="2848324" y="5892235"/>
+              <a:ext cx="100606" cy="100606"/>
             </a:xfrm>
             <a:prstGeom prst="ellipse">
               <a:avLst/>
@@ -5277,8 +5277,8 @@
           </p:nvSpPr>
           <p:spPr>
             <a:xfrm>
-              <a:off x="2965861" y="5838204"/>
-              <a:ext cx="119731" cy="119731"/>
+              <a:off x="2914731" y="5909115"/>
+              <a:ext cx="94891" cy="94891"/>
             </a:xfrm>
             <a:prstGeom prst="ellipse">
               <a:avLst/>
@@ -5312,8 +5312,8 @@
           </p:nvSpPr>
           <p:spPr>
             <a:xfrm>
-              <a:off x="3032643" y="5677185"/>
-              <a:ext cx="113266" cy="113266"/>
+              <a:off x="2979639" y="5851982"/>
+              <a:ext cx="92175" cy="92175"/>
             </a:xfrm>
             <a:prstGeom prst="ellipse">
               <a:avLst/>
@@ -5347,8 +5347,8 @@
           </p:nvSpPr>
           <p:spPr>
             <a:xfrm>
-              <a:off x="3103587" y="5664816"/>
-              <a:ext cx="98478" cy="98478"/>
+              <a:off x="3044757" y="5689299"/>
+              <a:ext cx="89038" cy="89038"/>
             </a:xfrm>
             <a:prstGeom prst="ellipse">
               <a:avLst/>
@@ -5382,8 +5382,8 @@
           </p:nvSpPr>
           <p:spPr>
             <a:xfrm>
-              <a:off x="3158544" y="5713591"/>
-              <a:ext cx="115662" cy="115662"/>
+              <a:off x="3111375" y="5672604"/>
+              <a:ext cx="82902" cy="82902"/>
             </a:xfrm>
             <a:prstGeom prst="ellipse">
               <a:avLst/>
@@ -5417,8 +5417,8 @@
           </p:nvSpPr>
           <p:spPr>
             <a:xfrm>
-              <a:off x="3217537" y="5747204"/>
-              <a:ext cx="124776" cy="124776"/>
+              <a:off x="3171292" y="5726339"/>
+              <a:ext cx="90166" cy="90166"/>
             </a:xfrm>
             <a:prstGeom prst="ellipse">
               <a:avLst/>
@@ -5452,8 +5452,8 @@
           </p:nvSpPr>
           <p:spPr>
             <a:xfrm>
-              <a:off x="3287902" y="5626797"/>
-              <a:ext cx="111146" cy="111146"/>
+              <a:off x="3232507" y="5762174"/>
+              <a:ext cx="94836" cy="94836"/>
             </a:xfrm>
             <a:prstGeom prst="ellipse">
               <a:avLst/>
@@ -5487,8 +5487,8 @@
           </p:nvSpPr>
           <p:spPr>
             <a:xfrm>
-              <a:off x="3346067" y="5388408"/>
-              <a:ext cx="121916" cy="121916"/>
+              <a:off x="3299439" y="5638334"/>
+              <a:ext cx="88072" cy="88072"/>
             </a:xfrm>
             <a:prstGeom prst="ellipse">
               <a:avLst/>
@@ -5522,8 +5522,8 @@
           </p:nvSpPr>
           <p:spPr>
             <a:xfrm>
-              <a:off x="3410889" y="5357425"/>
-              <a:ext cx="119371" cy="119371"/>
+              <a:off x="3360373" y="5402714"/>
+              <a:ext cx="93304" cy="93304"/>
             </a:xfrm>
             <a:prstGeom prst="ellipse">
               <a:avLst/>
@@ -5557,8 +5557,8 @@
           </p:nvSpPr>
           <p:spPr>
             <a:xfrm>
-              <a:off x="3477565" y="5282096"/>
-              <a:ext cx="113119" cy="113119"/>
+              <a:off x="3424578" y="5371114"/>
+              <a:ext cx="91992" cy="91992"/>
             </a:xfrm>
             <a:prstGeom prst="ellipse">
               <a:avLst/>
@@ -5586,7 +5586,42 @@
         </p:sp>
         <p:sp>
           <p:nvSpPr>
-            <p:cNvPr id="35" name="tx35"/>
+            <p:cNvPr id="35" name="pt35"/>
+            <p:cNvSpPr/>
+            <p:nvPr/>
+          </p:nvSpPr>
+          <p:spPr>
+            <a:xfrm>
+              <a:off x="3489640" y="5294170"/>
+              <a:ext cx="88970" cy="88970"/>
+            </a:xfrm>
+            <a:prstGeom prst="ellipse">
+              <a:avLst/>
+            </a:prstGeom>
+            <a:solidFill>
+              <a:srgbClr val="4682B4">
+                <a:alpha val="50196"/>
+              </a:srgbClr>
+            </a:solidFill>
+            <a:ln w="9000" cap="rnd">
+              <a:solidFill>
+                <a:srgbClr val="4682B4">
+                  <a:alpha val="50196"/>
+                </a:srgbClr>
+              </a:solidFill>
+              <a:prstDash val="solid"/>
+              <a:round/>
+            </a:ln>
+          </p:spPr>
+          <p:txBody>
+            <a:bodyPr/>
+            <a:lstStyle/>
+            <a:p/>
+          </p:txBody>
+        </p:sp>
+        <p:sp>
+          <p:nvSpPr>
+            <p:cNvPr id="36" name="tx36"/>
             <p:cNvSpPr/>
             <p:nvPr/>
           </p:nvSpPr>
@@ -5632,7 +5667,7 @@
         </p:sp>
         <p:sp>
           <p:nvSpPr>
-            <p:cNvPr id="36" name="tx36"/>
+            <p:cNvPr id="37" name="tx37"/>
             <p:cNvSpPr/>
             <p:nvPr/>
           </p:nvSpPr>
@@ -5678,7 +5713,7 @@
         </p:sp>
         <p:sp>
           <p:nvSpPr>
-            <p:cNvPr id="37" name="tx37"/>
+            <p:cNvPr id="38" name="tx38"/>
             <p:cNvSpPr/>
             <p:nvPr/>
           </p:nvSpPr>
@@ -5724,7 +5759,7 @@
         </p:sp>
         <p:sp>
           <p:nvSpPr>
-            <p:cNvPr id="38" name="tx38"/>
+            <p:cNvPr id="39" name="tx39"/>
             <p:cNvSpPr/>
             <p:nvPr/>
           </p:nvSpPr>
@@ -5770,7 +5805,7 @@
         </p:sp>
         <p:sp>
           <p:nvSpPr>
-            <p:cNvPr id="39" name="tx39"/>
+            <p:cNvPr id="40" name="tx40"/>
             <p:cNvSpPr/>
             <p:nvPr/>
           </p:nvSpPr>
@@ -5816,53 +5851,13 @@
         </p:sp>
         <p:sp>
           <p:nvSpPr>
-            <p:cNvPr id="40" name="pl40"/>
+            <p:cNvPr id="41" name="pl41"/>
             <p:cNvSpPr/>
             <p:nvPr/>
           </p:nvSpPr>
           <p:spPr>
             <a:xfrm>
               <a:off x="2164784" y="6104097"/>
-              <a:ext cx="34794" cy="0"/>
-            </a:xfrm>
-            <a:custGeom>
-              <a:avLst/>
-              <a:pathLst>
-                <a:path w="34794" h="0">
-                  <a:moveTo>
-                    <a:pt x="0" y="0"/>
-                  </a:moveTo>
-                  <a:lnTo>
-                    <a:pt x="34794" y="0"/>
-                  </a:lnTo>
-                </a:path>
-              </a:pathLst>
-            </a:custGeom>
-            <a:ln w="13550" cap="flat">
-              <a:solidFill>
-                <a:srgbClr val="333333">
-                  <a:alpha val="100000"/>
-                </a:srgbClr>
-              </a:solidFill>
-              <a:prstDash val="solid"/>
-              <a:round/>
-            </a:ln>
-          </p:spPr>
-          <p:txBody>
-            <a:bodyPr/>
-            <a:lstStyle/>
-            <a:p/>
-          </p:txBody>
-        </p:sp>
-        <p:sp>
-          <p:nvSpPr>
-            <p:cNvPr id="41" name="pl41"/>
-            <p:cNvSpPr/>
-            <p:nvPr/>
-          </p:nvSpPr>
-          <p:spPr>
-            <a:xfrm>
-              <a:off x="2164784" y="4855026"/>
               <a:ext cx="34794" cy="0"/>
             </a:xfrm>
             <a:custGeom>
@@ -5902,7 +5897,7 @@
           </p:nvSpPr>
           <p:spPr>
             <a:xfrm>
-              <a:off x="2164784" y="3605955"/>
+              <a:off x="2164784" y="4855026"/>
               <a:ext cx="34794" cy="0"/>
             </a:xfrm>
             <a:custGeom>
@@ -5942,7 +5937,7 @@
           </p:nvSpPr>
           <p:spPr>
             <a:xfrm>
-              <a:off x="2164784" y="2356884"/>
+              <a:off x="2164784" y="3605955"/>
               <a:ext cx="34794" cy="0"/>
             </a:xfrm>
             <a:custGeom>
@@ -5982,7 +5977,7 @@
           </p:nvSpPr>
           <p:spPr>
             <a:xfrm>
-              <a:off x="2164784" y="1107814"/>
+              <a:off x="2164784" y="2356884"/>
               <a:ext cx="34794" cy="0"/>
             </a:xfrm>
             <a:custGeom>
@@ -6022,18 +6017,18 @@
           </p:nvSpPr>
           <p:spPr>
             <a:xfrm>
-              <a:off x="2199579" y="6104097"/>
-              <a:ext cx="0" cy="34794"/>
+              <a:off x="2164784" y="1107814"/>
+              <a:ext cx="34794" cy="0"/>
             </a:xfrm>
             <a:custGeom>
               <a:avLst/>
               <a:pathLst>
-                <a:path w="0" h="34794">
+                <a:path w="34794" h="0">
                   <a:moveTo>
-                    <a:pt x="0" y="34794"/>
+                    <a:pt x="0" y="0"/>
                   </a:moveTo>
                   <a:lnTo>
-                    <a:pt x="0" y="0"/>
+                    <a:pt x="34794" y="0"/>
                   </a:lnTo>
                 </a:path>
               </a:pathLst>
@@ -6062,7 +6057,7 @@
           </p:nvSpPr>
           <p:spPr>
             <a:xfrm>
-              <a:off x="3089276" y="6104097"/>
+              <a:off x="2199579" y="6104097"/>
               <a:ext cx="0" cy="34794"/>
             </a:xfrm>
             <a:custGeom>
@@ -6102,7 +6097,7 @@
           </p:nvSpPr>
           <p:spPr>
             <a:xfrm>
-              <a:off x="4169623" y="6104097"/>
+              <a:off x="3089276" y="6104097"/>
               <a:ext cx="0" cy="34794"/>
             </a:xfrm>
             <a:custGeom>
@@ -6142,7 +6137,7 @@
           </p:nvSpPr>
           <p:spPr>
             <a:xfrm>
-              <a:off x="5059320" y="6104097"/>
+              <a:off x="4169623" y="6104097"/>
               <a:ext cx="0" cy="34794"/>
             </a:xfrm>
             <a:custGeom>
@@ -6182,7 +6177,7 @@
           </p:nvSpPr>
           <p:spPr>
             <a:xfrm>
-              <a:off x="5949017" y="6104097"/>
+              <a:off x="5059320" y="6104097"/>
               <a:ext cx="0" cy="34794"/>
             </a:xfrm>
             <a:custGeom>
@@ -6222,7 +6217,7 @@
           </p:nvSpPr>
           <p:spPr>
             <a:xfrm>
-              <a:off x="6838714" y="6104097"/>
+              <a:off x="5949017" y="6104097"/>
               <a:ext cx="0" cy="34794"/>
             </a:xfrm>
             <a:custGeom>
@@ -6256,7 +6251,47 @@
         </p:sp>
         <p:sp>
           <p:nvSpPr>
-            <p:cNvPr id="51" name="tx51"/>
+            <p:cNvPr id="51" name="pl51"/>
+            <p:cNvSpPr/>
+            <p:nvPr/>
+          </p:nvSpPr>
+          <p:spPr>
+            <a:xfrm>
+              <a:off x="6838714" y="6104097"/>
+              <a:ext cx="0" cy="34794"/>
+            </a:xfrm>
+            <a:custGeom>
+              <a:avLst/>
+              <a:pathLst>
+                <a:path w="0" h="34794">
+                  <a:moveTo>
+                    <a:pt x="0" y="34794"/>
+                  </a:moveTo>
+                  <a:lnTo>
+                    <a:pt x="0" y="0"/>
+                  </a:lnTo>
+                </a:path>
+              </a:pathLst>
+            </a:custGeom>
+            <a:ln w="13550" cap="flat">
+              <a:solidFill>
+                <a:srgbClr val="333333">
+                  <a:alpha val="100000"/>
+                </a:srgbClr>
+              </a:solidFill>
+              <a:prstDash val="solid"/>
+              <a:round/>
+            </a:ln>
+          </p:spPr>
+          <p:txBody>
+            <a:bodyPr/>
+            <a:lstStyle/>
+            <a:p/>
+          </p:txBody>
+        </p:sp>
+        <p:sp>
+          <p:nvSpPr>
+            <p:cNvPr id="52" name="tx52"/>
             <p:cNvSpPr/>
             <p:nvPr/>
           </p:nvSpPr>
@@ -6302,7 +6337,7 @@
         </p:sp>
         <p:sp>
           <p:nvSpPr>
-            <p:cNvPr id="52" name="tx52"/>
+            <p:cNvPr id="53" name="tx53"/>
             <p:cNvSpPr/>
             <p:nvPr/>
           </p:nvSpPr>
@@ -6348,7 +6383,7 @@
         </p:sp>
         <p:sp>
           <p:nvSpPr>
-            <p:cNvPr id="53" name="tx53"/>
+            <p:cNvPr id="54" name="tx54"/>
             <p:cNvSpPr/>
             <p:nvPr/>
           </p:nvSpPr>
@@ -6394,7 +6429,7 @@
         </p:sp>
         <p:sp>
           <p:nvSpPr>
-            <p:cNvPr id="54" name="tx54"/>
+            <p:cNvPr id="55" name="tx55"/>
             <p:cNvSpPr/>
             <p:nvPr/>
           </p:nvSpPr>
@@ -6440,7 +6475,7 @@
         </p:sp>
         <p:sp>
           <p:nvSpPr>
-            <p:cNvPr id="55" name="tx55"/>
+            <p:cNvPr id="56" name="tx56"/>
             <p:cNvSpPr/>
             <p:nvPr/>
           </p:nvSpPr>
@@ -6486,7 +6521,7 @@
         </p:sp>
         <p:sp>
           <p:nvSpPr>
-            <p:cNvPr id="56" name="tx56"/>
+            <p:cNvPr id="57" name="tx57"/>
             <p:cNvSpPr/>
             <p:nvPr/>
           </p:nvSpPr>
@@ -6532,7 +6567,7 @@
         </p:sp>
         <p:sp>
           <p:nvSpPr>
-            <p:cNvPr id="57" name="tx57"/>
+            <p:cNvPr id="58" name="tx58"/>
             <p:cNvSpPr/>
             <p:nvPr/>
           </p:nvSpPr>
@@ -6578,7 +6613,7 @@
         </p:sp>
         <p:sp>
           <p:nvSpPr>
-            <p:cNvPr id="58" name="tx58"/>
+            <p:cNvPr id="59" name="tx59"/>
             <p:cNvSpPr/>
             <p:nvPr/>
           </p:nvSpPr>
@@ -6624,14 +6659,14 @@
         </p:sp>
         <p:sp>
           <p:nvSpPr>
-            <p:cNvPr id="59" name="rc59"/>
+            <p:cNvPr id="60" name="rc60"/>
             <p:cNvSpPr/>
             <p:nvPr/>
           </p:nvSpPr>
           <p:spPr>
             <a:xfrm>
-              <a:off x="7931139" y="2791273"/>
-              <a:ext cx="1005953" cy="1629365"/>
+              <a:off x="7931139" y="2901001"/>
+              <a:ext cx="1005953" cy="1409909"/>
             </a:xfrm>
             <a:prstGeom prst="rect">
               <a:avLst/>
@@ -6650,13 +6685,13 @@
         </p:sp>
         <p:sp>
           <p:nvSpPr>
-            <p:cNvPr id="60" name="tx60"/>
+            <p:cNvPr id="61" name="tx61"/>
             <p:cNvSpPr/>
             <p:nvPr/>
           </p:nvSpPr>
           <p:spPr>
             <a:xfrm>
-              <a:off x="8000728" y="2878870"/>
+              <a:off x="8000728" y="2988598"/>
               <a:ext cx="686172" cy="112737"/>
             </a:xfrm>
             <a:prstGeom prst="rect">
@@ -6696,13 +6731,13 @@
         </p:sp>
         <p:sp>
           <p:nvSpPr>
-            <p:cNvPr id="61" name="tx61"/>
+            <p:cNvPr id="62" name="tx62"/>
             <p:cNvSpPr/>
             <p:nvPr/>
           </p:nvSpPr>
           <p:spPr>
             <a:xfrm>
-              <a:off x="8000728" y="3016822"/>
+              <a:off x="8000728" y="3126550"/>
               <a:ext cx="880913" cy="139377"/>
             </a:xfrm>
             <a:prstGeom prst="rect">
@@ -6742,14 +6777,14 @@
         </p:sp>
         <p:sp>
           <p:nvSpPr>
-            <p:cNvPr id="62" name="rc62"/>
+            <p:cNvPr id="63" name="rc63"/>
             <p:cNvSpPr/>
             <p:nvPr/>
           </p:nvSpPr>
           <p:spPr>
             <a:xfrm>
-              <a:off x="8000728" y="3253769"/>
-              <a:ext cx="219455" cy="219456"/>
+              <a:off x="8000728" y="3363497"/>
+              <a:ext cx="219455" cy="219455"/>
             </a:xfrm>
             <a:prstGeom prst="rect">
               <a:avLst/>
@@ -6763,13 +6798,13 @@
         </p:sp>
         <p:sp>
           <p:nvSpPr>
-            <p:cNvPr id="63" name="pt63"/>
+            <p:cNvPr id="64" name="pt64"/>
             <p:cNvSpPr/>
             <p:nvPr/>
           </p:nvSpPr>
           <p:spPr>
             <a:xfrm>
-              <a:off x="8105820" y="3358861"/>
+              <a:off x="8105820" y="3468589"/>
               <a:ext cx="9271" cy="9271"/>
             </a:xfrm>
             <a:prstGeom prst="ellipse">
@@ -6798,13 +6833,13 @@
         </p:sp>
         <p:sp>
           <p:nvSpPr>
-            <p:cNvPr id="64" name="rc64"/>
+            <p:cNvPr id="65" name="rc65"/>
             <p:cNvSpPr/>
             <p:nvPr/>
           </p:nvSpPr>
           <p:spPr>
             <a:xfrm>
-              <a:off x="8000728" y="3473225"/>
+              <a:off x="8000728" y="3582953"/>
               <a:ext cx="219455" cy="219455"/>
             </a:xfrm>
             <a:prstGeom prst="rect">
@@ -6819,14 +6854,14 @@
         </p:sp>
         <p:sp>
           <p:nvSpPr>
-            <p:cNvPr id="65" name="pt65"/>
+            <p:cNvPr id="66" name="pt66"/>
             <p:cNvSpPr/>
             <p:nvPr/>
           </p:nvSpPr>
           <p:spPr>
             <a:xfrm>
-              <a:off x="8065236" y="3537733"/>
-              <a:ext cx="90439" cy="90439"/>
+              <a:off x="8091453" y="3673678"/>
+              <a:ext cx="38004" cy="38004"/>
             </a:xfrm>
             <a:prstGeom prst="ellipse">
               <a:avLst/>
@@ -6854,13 +6889,13 @@
         </p:sp>
         <p:sp>
           <p:nvSpPr>
-            <p:cNvPr id="66" name="rc66"/>
+            <p:cNvPr id="67" name="rc67"/>
             <p:cNvSpPr/>
             <p:nvPr/>
           </p:nvSpPr>
           <p:spPr>
             <a:xfrm>
-              <a:off x="8000728" y="3692681"/>
+              <a:off x="8000728" y="3802409"/>
               <a:ext cx="219455" cy="219455"/>
             </a:xfrm>
             <a:prstGeom prst="rect">
@@ -6875,14 +6910,14 @@
         </p:sp>
         <p:sp>
           <p:nvSpPr>
-            <p:cNvPr id="67" name="pt67"/>
+            <p:cNvPr id="68" name="pt68"/>
             <p:cNvSpPr/>
             <p:nvPr/>
           </p:nvSpPr>
           <p:spPr>
             <a:xfrm>
-              <a:off x="8048426" y="3740379"/>
-              <a:ext cx="124060" cy="124060"/>
+              <a:off x="8076509" y="3878190"/>
+              <a:ext cx="67893" cy="67893"/>
             </a:xfrm>
             <a:prstGeom prst="ellipse">
               <a:avLst/>
@@ -6910,14 +6945,14 @@
         </p:sp>
         <p:sp>
           <p:nvSpPr>
-            <p:cNvPr id="68" name="rc68"/>
+            <p:cNvPr id="69" name="rc69"/>
             <p:cNvSpPr/>
             <p:nvPr/>
           </p:nvSpPr>
           <p:spPr>
             <a:xfrm>
-              <a:off x="8000728" y="3912137"/>
-              <a:ext cx="219455" cy="219455"/>
+              <a:off x="8000728" y="4021865"/>
+              <a:ext cx="219455" cy="219456"/>
             </a:xfrm>
             <a:prstGeom prst="rect">
               <a:avLst/>
@@ -6931,14 +6966,14 @@
         </p:sp>
         <p:sp>
           <p:nvSpPr>
-            <p:cNvPr id="69" name="pt69"/>
+            <p:cNvPr id="70" name="pt70"/>
             <p:cNvSpPr/>
             <p:nvPr/>
           </p:nvSpPr>
           <p:spPr>
             <a:xfrm>
-              <a:off x="8035527" y="3946936"/>
-              <a:ext cx="149858" cy="149858"/>
+              <a:off x="8051753" y="4072890"/>
+              <a:ext cx="117404" cy="117404"/>
             </a:xfrm>
             <a:prstGeom prst="ellipse">
               <a:avLst/>
@@ -6966,58 +7001,48 @@
         </p:sp>
         <p:sp>
           <p:nvSpPr>
-            <p:cNvPr id="70" name="rc70"/>
+            <p:cNvPr id="71" name="tx71"/>
             <p:cNvSpPr/>
             <p:nvPr/>
           </p:nvSpPr>
           <p:spPr>
             <a:xfrm>
-              <a:off x="8000728" y="4131593"/>
-              <a:ext cx="219455" cy="219456"/>
+              <a:off x="8296099" y="3429231"/>
+              <a:ext cx="67806" cy="87630"/>
             </a:xfrm>
             <a:prstGeom prst="rect">
               <a:avLst/>
             </a:prstGeom>
+            <a:noFill/>
           </p:spPr>
           <p:txBody>
-            <a:bodyPr/>
+            <a:bodyPr lIns="0" rIns="0" tIns="0" bIns="0" anchorCtr="1" anchor="ctr" wrap="none"/>
             <a:lstStyle/>
-            <a:p/>
-          </p:txBody>
-        </p:sp>
-        <p:sp>
-          <p:nvSpPr>
-            <p:cNvPr id="71" name="pt71"/>
-            <p:cNvSpPr/>
-            <p:nvPr/>
-          </p:nvSpPr>
-          <p:spPr>
-            <a:xfrm>
-              <a:off x="8024652" y="4155517"/>
-              <a:ext cx="171607" cy="171607"/>
-            </a:xfrm>
-            <a:prstGeom prst="ellipse">
-              <a:avLst/>
-            </a:prstGeom>
-            <a:solidFill>
-              <a:srgbClr val="4682B4">
-                <a:alpha val="50196"/>
-              </a:srgbClr>
-            </a:solidFill>
-            <a:ln w="9000" cap="rnd">
-              <a:solidFill>
-                <a:srgbClr val="4682B4">
-                  <a:alpha val="50196"/>
-                </a:srgbClr>
-              </a:solidFill>
-              <a:prstDash val="solid"/>
-              <a:round/>
-            </a:ln>
-          </p:spPr>
-          <p:txBody>
-            <a:bodyPr/>
-            <a:lstStyle/>
-            <a:p/>
+            <a:p>
+              <a:pPr algn="l" marL="0" marR="0" indent="0">
+                <a:lnSpc>
+                  <a:spcPts val="960"/>
+                </a:lnSpc>
+                <a:spcBef>
+                  <a:spcPts val="0"/>
+                </a:spcBef>
+                <a:spcAft>
+                  <a:spcPts val="0"/>
+                </a:spcAft>
+              </a:pPr>
+              <a:r>
+                <a:rPr sz="960">
+                  <a:solidFill>
+                    <a:srgbClr val="000000">
+                      <a:alpha val="100000"/>
+                    </a:srgbClr>
+                  </a:solidFill>
+                  <a:latin typeface="Arial"/>
+                  <a:cs typeface="Arial"/>
+                </a:rPr>
+                <a:t>1</a:t>
+              </a:r>
+            </a:p>
           </p:txBody>
         </p:sp>
         <p:sp>
@@ -7028,7 +7053,53 @@
           </p:nvSpPr>
           <p:spPr>
             <a:xfrm>
-              <a:off x="8296099" y="3318015"/>
+              <a:off x="8296099" y="3647199"/>
+              <a:ext cx="135612" cy="89118"/>
+            </a:xfrm>
+            <a:prstGeom prst="rect">
+              <a:avLst/>
+            </a:prstGeom>
+            <a:noFill/>
+          </p:spPr>
+          <p:txBody>
+            <a:bodyPr lIns="0" rIns="0" tIns="0" bIns="0" anchorCtr="1" anchor="ctr" wrap="none"/>
+            <a:lstStyle/>
+            <a:p>
+              <a:pPr algn="l" marL="0" marR="0" indent="0">
+                <a:lnSpc>
+                  <a:spcPts val="960"/>
+                </a:lnSpc>
+                <a:spcBef>
+                  <a:spcPts val="0"/>
+                </a:spcBef>
+                <a:spcAft>
+                  <a:spcPts val="0"/>
+                </a:spcAft>
+              </a:pPr>
+              <a:r>
+                <a:rPr sz="960">
+                  <a:solidFill>
+                    <a:srgbClr val="000000">
+                      <a:alpha val="100000"/>
+                    </a:srgbClr>
+                  </a:solidFill>
+                  <a:latin typeface="Arial"/>
+                  <a:cs typeface="Arial"/>
+                </a:rPr>
+                <a:t>10</a:t>
+              </a:r>
+            </a:p>
+          </p:txBody>
+        </p:sp>
+        <p:sp>
+          <p:nvSpPr>
+            <p:cNvPr id="73" name="tx73"/>
+            <p:cNvSpPr/>
+            <p:nvPr/>
+          </p:nvSpPr>
+          <p:spPr>
+            <a:xfrm>
+              <a:off x="8296099" y="3866655"/>
               <a:ext cx="203418" cy="89118"/>
             </a:xfrm>
             <a:prstGeom prst="rect">
@@ -7068,151 +7139,13 @@
         </p:sp>
         <p:sp>
           <p:nvSpPr>
-            <p:cNvPr id="73" name="tx73"/>
-            <p:cNvSpPr/>
-            <p:nvPr/>
-          </p:nvSpPr>
-          <p:spPr>
-            <a:xfrm>
-              <a:off x="8296099" y="3537471"/>
-              <a:ext cx="203418" cy="89118"/>
-            </a:xfrm>
-            <a:prstGeom prst="rect">
-              <a:avLst/>
-            </a:prstGeom>
-            <a:noFill/>
-          </p:spPr>
-          <p:txBody>
-            <a:bodyPr lIns="0" rIns="0" tIns="0" bIns="0" anchorCtr="1" anchor="ctr" wrap="none"/>
-            <a:lstStyle/>
-            <a:p>
-              <a:pPr algn="l" marL="0" marR="0" indent="0">
-                <a:lnSpc>
-                  <a:spcPts val="960"/>
-                </a:lnSpc>
-                <a:spcBef>
-                  <a:spcPts val="0"/>
-                </a:spcBef>
-                <a:spcAft>
-                  <a:spcPts val="0"/>
-                </a:spcAft>
-              </a:pPr>
-              <a:r>
-                <a:rPr sz="960">
-                  <a:solidFill>
-                    <a:srgbClr val="000000">
-                      <a:alpha val="100000"/>
-                    </a:srgbClr>
-                  </a:solidFill>
-                  <a:latin typeface="Arial"/>
-                  <a:cs typeface="Arial"/>
-                </a:rPr>
-                <a:t>200</a:t>
-              </a:r>
-            </a:p>
-          </p:txBody>
-        </p:sp>
-        <p:sp>
-          <p:nvSpPr>
             <p:cNvPr id="74" name="tx74"/>
             <p:cNvSpPr/>
             <p:nvPr/>
           </p:nvSpPr>
           <p:spPr>
             <a:xfrm>
-              <a:off x="8296099" y="3756927"/>
-              <a:ext cx="203418" cy="89118"/>
-            </a:xfrm>
-            <a:prstGeom prst="rect">
-              <a:avLst/>
-            </a:prstGeom>
-            <a:noFill/>
-          </p:spPr>
-          <p:txBody>
-            <a:bodyPr lIns="0" rIns="0" tIns="0" bIns="0" anchorCtr="1" anchor="ctr" wrap="none"/>
-            <a:lstStyle/>
-            <a:p>
-              <a:pPr algn="l" marL="0" marR="0" indent="0">
-                <a:lnSpc>
-                  <a:spcPts val="960"/>
-                </a:lnSpc>
-                <a:spcBef>
-                  <a:spcPts val="0"/>
-                </a:spcBef>
-                <a:spcAft>
-                  <a:spcPts val="0"/>
-                </a:spcAft>
-              </a:pPr>
-              <a:r>
-                <a:rPr sz="960">
-                  <a:solidFill>
-                    <a:srgbClr val="000000">
-                      <a:alpha val="100000"/>
-                    </a:srgbClr>
-                  </a:solidFill>
-                  <a:latin typeface="Arial"/>
-                  <a:cs typeface="Arial"/>
-                </a:rPr>
-                <a:t>400</a:t>
-              </a:r>
-            </a:p>
-          </p:txBody>
-        </p:sp>
-        <p:sp>
-          <p:nvSpPr>
-            <p:cNvPr id="75" name="tx75"/>
-            <p:cNvSpPr/>
-            <p:nvPr/>
-          </p:nvSpPr>
-          <p:spPr>
-            <a:xfrm>
-              <a:off x="8296099" y="3976383"/>
-              <a:ext cx="203418" cy="89118"/>
-            </a:xfrm>
-            <a:prstGeom prst="rect">
-              <a:avLst/>
-            </a:prstGeom>
-            <a:noFill/>
-          </p:spPr>
-          <p:txBody>
-            <a:bodyPr lIns="0" rIns="0" tIns="0" bIns="0" anchorCtr="1" anchor="ctr" wrap="none"/>
-            <a:lstStyle/>
-            <a:p>
-              <a:pPr algn="l" marL="0" marR="0" indent="0">
-                <a:lnSpc>
-                  <a:spcPts val="960"/>
-                </a:lnSpc>
-                <a:spcBef>
-                  <a:spcPts val="0"/>
-                </a:spcBef>
-                <a:spcAft>
-                  <a:spcPts val="0"/>
-                </a:spcAft>
-              </a:pPr>
-              <a:r>
-                <a:rPr sz="960">
-                  <a:solidFill>
-                    <a:srgbClr val="000000">
-                      <a:alpha val="100000"/>
-                    </a:srgbClr>
-                  </a:solidFill>
-                  <a:latin typeface="Arial"/>
-                  <a:cs typeface="Arial"/>
-                </a:rPr>
-                <a:t>800</a:t>
-              </a:r>
-            </a:p>
-          </p:txBody>
-        </p:sp>
-        <p:sp>
-          <p:nvSpPr>
-            <p:cNvPr id="76" name="tx76"/>
-            <p:cNvSpPr/>
-            <p:nvPr/>
-          </p:nvSpPr>
-          <p:spPr>
-            <a:xfrm>
-              <a:off x="8296099" y="4195839"/>
+              <a:off x="8296099" y="4086111"/>
               <a:ext cx="271224" cy="89118"/>
             </a:xfrm>
             <a:prstGeom prst="rect">
@@ -7245,7 +7178,7 @@
                   <a:latin typeface="Arial"/>
                   <a:cs typeface="Arial"/>
                 </a:rPr>
-                <a:t>1600</a:t>
+                <a:t>1000</a:t>
               </a:r>
             </a:p>
           </p:txBody>
